--- a/生命聖詩/(生命聖詩22)快樂崇拜.pptx
+++ b/生命聖詩/(生命聖詩22)快樂崇拜.pptx
@@ -13,8 +13,17 @@
     <p:sldId id="261" r:id="rId7"/>
     <p:sldId id="262" r:id="rId8"/>
     <p:sldId id="263" r:id="rId9"/>
+    <p:sldId id="264" r:id="rId10"/>
+    <p:sldId id="265" r:id="rId11"/>
+    <p:sldId id="266" r:id="rId12"/>
+    <p:sldId id="267" r:id="rId13"/>
+    <p:sldId id="268" r:id="rId14"/>
+    <p:sldId id="269" r:id="rId15"/>
+    <p:sldId id="270" r:id="rId16"/>
+    <p:sldId id="271" r:id="rId17"/>
+    <p:sldId id="272" r:id="rId18"/>
   </p:sldIdLst>
-  <p:sldSz cx="9144000" cy="6858000" type="screen4x3"/>
+  <p:sldSz cx="12192000" cy="6858000"/>
   <p:notesSz cx="6858000" cy="9144000"/>
   <p:defaultTextStyle>
     <a:defPPr>
@@ -111,6 +120,22 @@
       </a:defRPr>
     </a:lvl9pPr>
   </p:defaultTextStyle>
+  <p:extLst>
+    <p:ext uri="{EFAFB233-063F-42B5-8137-9DF3F51BA10A}">
+      <p15:sldGuideLst xmlns:p15="http://schemas.microsoft.com/office/powerpoint/2012/main">
+        <p15:guide id="1" orient="horz" pos="2160" userDrawn="1">
+          <p15:clr>
+            <a:srgbClr val="A4A3A4"/>
+          </p15:clr>
+        </p15:guide>
+        <p15:guide id="2" pos="3840" userDrawn="1">
+          <p15:clr>
+            <a:srgbClr val="A4A3A4"/>
+          </p15:clr>
+        </p15:guide>
+      </p15:sldGuideLst>
+    </p:ext>
+  </p:extLst>
 </p:presentation>
 </file>
 
@@ -143,8 +168,8 @@
         </p:nvSpPr>
         <p:spPr>
           <a:xfrm>
-            <a:off x="685800" y="2130425"/>
-            <a:ext cx="7772400" cy="1470025"/>
+            <a:off x="914400" y="2130426"/>
+            <a:ext cx="10363200" cy="1470025"/>
           </a:xfrm>
         </p:spPr>
         <p:txBody>
@@ -171,8 +196,8 @@
         </p:nvSpPr>
         <p:spPr>
           <a:xfrm>
-            <a:off x="1371600" y="3886200"/>
-            <a:ext cx="6400800" cy="1752600"/>
+            <a:off x="1828800" y="3886200"/>
+            <a:ext cx="8534400" cy="1752600"/>
           </a:xfrm>
         </p:spPr>
         <p:txBody>
@@ -296,7 +321,7 @@
             <a:fld id="{05A69A1E-DAA9-4275-BEE8-271897FFC734}" type="datetimeFigureOut">
               <a:rPr lang="zh-TW" altLang="en-US" smtClean="0"/>
               <a:pPr/>
-              <a:t>2019/5/5</a:t>
+              <a:t>2022/9/9</a:t>
             </a:fld>
             <a:endParaRPr lang="zh-TW" altLang="en-US"/>
           </a:p>
@@ -463,7 +488,7 @@
             <a:fld id="{05A69A1E-DAA9-4275-BEE8-271897FFC734}" type="datetimeFigureOut">
               <a:rPr lang="zh-TW" altLang="en-US" smtClean="0"/>
               <a:pPr/>
-              <a:t>2019/5/5</a:t>
+              <a:t>2022/9/9</a:t>
             </a:fld>
             <a:endParaRPr lang="zh-TW" altLang="en-US"/>
           </a:p>
@@ -549,8 +574,8 @@
         </p:nvSpPr>
         <p:spPr>
           <a:xfrm>
-            <a:off x="6629400" y="274638"/>
-            <a:ext cx="2057400" cy="5851525"/>
+            <a:off x="8839200" y="274639"/>
+            <a:ext cx="2743200" cy="5851525"/>
           </a:xfrm>
         </p:spPr>
         <p:txBody>
@@ -577,8 +602,8 @@
         </p:nvSpPr>
         <p:spPr>
           <a:xfrm>
-            <a:off x="457200" y="274638"/>
-            <a:ext cx="6019800" cy="5851525"/>
+            <a:off x="609600" y="274639"/>
+            <a:ext cx="8026400" cy="5851525"/>
           </a:xfrm>
         </p:spPr>
         <p:txBody>
@@ -640,7 +665,7 @@
             <a:fld id="{05A69A1E-DAA9-4275-BEE8-271897FFC734}" type="datetimeFigureOut">
               <a:rPr lang="zh-TW" altLang="en-US" smtClean="0"/>
               <a:pPr/>
-              <a:t>2019/5/5</a:t>
+              <a:t>2022/9/9</a:t>
             </a:fld>
             <a:endParaRPr lang="zh-TW" altLang="en-US"/>
           </a:p>
@@ -807,7 +832,7 @@
             <a:fld id="{05A69A1E-DAA9-4275-BEE8-271897FFC734}" type="datetimeFigureOut">
               <a:rPr lang="zh-TW" altLang="en-US" smtClean="0"/>
               <a:pPr/>
-              <a:t>2019/5/5</a:t>
+              <a:t>2022/9/9</a:t>
             </a:fld>
             <a:endParaRPr lang="zh-TW" altLang="en-US"/>
           </a:p>
@@ -893,8 +918,8 @@
         </p:nvSpPr>
         <p:spPr>
           <a:xfrm>
-            <a:off x="722313" y="4406900"/>
-            <a:ext cx="7772400" cy="1362075"/>
+            <a:off x="963084" y="4406901"/>
+            <a:ext cx="10363200" cy="1362075"/>
           </a:xfrm>
         </p:spPr>
         <p:txBody>
@@ -925,8 +950,8 @@
         </p:nvSpPr>
         <p:spPr>
           <a:xfrm>
-            <a:off x="722313" y="2906713"/>
-            <a:ext cx="7772400" cy="1500187"/>
+            <a:off x="963084" y="2906713"/>
+            <a:ext cx="10363200" cy="1500187"/>
           </a:xfrm>
         </p:spPr>
         <p:txBody>
@@ -1050,7 +1075,7 @@
             <a:fld id="{05A69A1E-DAA9-4275-BEE8-271897FFC734}" type="datetimeFigureOut">
               <a:rPr lang="zh-TW" altLang="en-US" smtClean="0"/>
               <a:pPr/>
-              <a:t>2019/5/5</a:t>
+              <a:t>2022/9/9</a:t>
             </a:fld>
             <a:endParaRPr lang="zh-TW" altLang="en-US"/>
           </a:p>
@@ -1159,8 +1184,8 @@
         </p:nvSpPr>
         <p:spPr>
           <a:xfrm>
-            <a:off x="457200" y="1600200"/>
-            <a:ext cx="4038600" cy="4525963"/>
+            <a:off x="609600" y="1600201"/>
+            <a:ext cx="5384800" cy="4525963"/>
           </a:xfrm>
         </p:spPr>
         <p:txBody>
@@ -1244,8 +1269,8 @@
         </p:nvSpPr>
         <p:spPr>
           <a:xfrm>
-            <a:off x="4648200" y="1600200"/>
-            <a:ext cx="4038600" cy="4525963"/>
+            <a:off x="6197600" y="1600201"/>
+            <a:ext cx="5384800" cy="4525963"/>
           </a:xfrm>
         </p:spPr>
         <p:txBody>
@@ -1335,7 +1360,7 @@
             <a:fld id="{05A69A1E-DAA9-4275-BEE8-271897FFC734}" type="datetimeFigureOut">
               <a:rPr lang="zh-TW" altLang="en-US" smtClean="0"/>
               <a:pPr/>
-              <a:t>2019/5/5</a:t>
+              <a:t>2022/9/9</a:t>
             </a:fld>
             <a:endParaRPr lang="zh-TW" altLang="en-US"/>
           </a:p>
@@ -1448,8 +1473,8 @@
         </p:nvSpPr>
         <p:spPr>
           <a:xfrm>
-            <a:off x="457200" y="1535113"/>
-            <a:ext cx="4040188" cy="639762"/>
+            <a:off x="609600" y="1535113"/>
+            <a:ext cx="5386917" cy="639762"/>
           </a:xfrm>
         </p:spPr>
         <p:txBody>
@@ -1513,8 +1538,8 @@
         </p:nvSpPr>
         <p:spPr>
           <a:xfrm>
-            <a:off x="457200" y="2174875"/>
-            <a:ext cx="4040188" cy="3951288"/>
+            <a:off x="609600" y="2174875"/>
+            <a:ext cx="5386917" cy="3951288"/>
           </a:xfrm>
         </p:spPr>
         <p:txBody>
@@ -1598,8 +1623,8 @@
         </p:nvSpPr>
         <p:spPr>
           <a:xfrm>
-            <a:off x="4645025" y="1535113"/>
-            <a:ext cx="4041775" cy="639762"/>
+            <a:off x="6193368" y="1535113"/>
+            <a:ext cx="5389033" cy="639762"/>
           </a:xfrm>
         </p:spPr>
         <p:txBody>
@@ -1663,8 +1688,8 @@
         </p:nvSpPr>
         <p:spPr>
           <a:xfrm>
-            <a:off x="4645025" y="2174875"/>
-            <a:ext cx="4041775" cy="3951288"/>
+            <a:off x="6193368" y="2174875"/>
+            <a:ext cx="5389033" cy="3951288"/>
           </a:xfrm>
         </p:spPr>
         <p:txBody>
@@ -1754,7 +1779,7 @@
             <a:fld id="{05A69A1E-DAA9-4275-BEE8-271897FFC734}" type="datetimeFigureOut">
               <a:rPr lang="zh-TW" altLang="en-US" smtClean="0"/>
               <a:pPr/>
-              <a:t>2019/5/5</a:t>
+              <a:t>2022/9/9</a:t>
             </a:fld>
             <a:endParaRPr lang="zh-TW" altLang="en-US"/>
           </a:p>
@@ -1869,7 +1894,7 @@
             <a:fld id="{05A69A1E-DAA9-4275-BEE8-271897FFC734}" type="datetimeFigureOut">
               <a:rPr lang="zh-TW" altLang="en-US" smtClean="0"/>
               <a:pPr/>
-              <a:t>2019/5/5</a:t>
+              <a:t>2022/9/9</a:t>
             </a:fld>
             <a:endParaRPr lang="zh-TW" altLang="en-US"/>
           </a:p>
@@ -1961,7 +1986,7 @@
             <a:fld id="{05A69A1E-DAA9-4275-BEE8-271897FFC734}" type="datetimeFigureOut">
               <a:rPr lang="zh-TW" altLang="en-US" smtClean="0"/>
               <a:pPr/>
-              <a:t>2019/5/5</a:t>
+              <a:t>2022/9/9</a:t>
             </a:fld>
             <a:endParaRPr lang="zh-TW" altLang="en-US"/>
           </a:p>
@@ -2047,8 +2072,8 @@
         </p:nvSpPr>
         <p:spPr>
           <a:xfrm>
-            <a:off x="457200" y="273050"/>
-            <a:ext cx="3008313" cy="1162050"/>
+            <a:off x="609601" y="273050"/>
+            <a:ext cx="4011084" cy="1162050"/>
           </a:xfrm>
         </p:spPr>
         <p:txBody>
@@ -2079,8 +2104,8 @@
         </p:nvSpPr>
         <p:spPr>
           <a:xfrm>
-            <a:off x="3575050" y="273050"/>
-            <a:ext cx="5111750" cy="5853113"/>
+            <a:off x="4766733" y="273051"/>
+            <a:ext cx="6815667" cy="5853113"/>
           </a:xfrm>
         </p:spPr>
         <p:txBody>
@@ -2164,8 +2189,8 @@
         </p:nvSpPr>
         <p:spPr>
           <a:xfrm>
-            <a:off x="457200" y="1435100"/>
-            <a:ext cx="3008313" cy="4691063"/>
+            <a:off x="609601" y="1435101"/>
+            <a:ext cx="4011084" cy="4691063"/>
           </a:xfrm>
         </p:spPr>
         <p:txBody>
@@ -2235,7 +2260,7 @@
             <a:fld id="{05A69A1E-DAA9-4275-BEE8-271897FFC734}" type="datetimeFigureOut">
               <a:rPr lang="zh-TW" altLang="en-US" smtClean="0"/>
               <a:pPr/>
-              <a:t>2019/5/5</a:t>
+              <a:t>2022/9/9</a:t>
             </a:fld>
             <a:endParaRPr lang="zh-TW" altLang="en-US"/>
           </a:p>
@@ -2321,8 +2346,8 @@
         </p:nvSpPr>
         <p:spPr>
           <a:xfrm>
-            <a:off x="1792288" y="4800600"/>
-            <a:ext cx="5486400" cy="566738"/>
+            <a:off x="2389717" y="4800600"/>
+            <a:ext cx="7315200" cy="566738"/>
           </a:xfrm>
         </p:spPr>
         <p:txBody>
@@ -2353,8 +2378,8 @@
         </p:nvSpPr>
         <p:spPr>
           <a:xfrm>
-            <a:off x="1792288" y="612775"/>
-            <a:ext cx="5486400" cy="4114800"/>
+            <a:off x="2389717" y="612775"/>
+            <a:ext cx="7315200" cy="4114800"/>
           </a:xfrm>
         </p:spPr>
         <p:txBody>
@@ -2418,8 +2443,8 @@
         </p:nvSpPr>
         <p:spPr>
           <a:xfrm>
-            <a:off x="1792288" y="5367338"/>
-            <a:ext cx="5486400" cy="804862"/>
+            <a:off x="2389717" y="5367338"/>
+            <a:ext cx="7315200" cy="804862"/>
           </a:xfrm>
         </p:spPr>
         <p:txBody>
@@ -2489,7 +2514,7 @@
             <a:fld id="{05A69A1E-DAA9-4275-BEE8-271897FFC734}" type="datetimeFigureOut">
               <a:rPr lang="zh-TW" altLang="en-US" smtClean="0"/>
               <a:pPr/>
-              <a:t>2019/5/5</a:t>
+              <a:t>2022/9/9</a:t>
             </a:fld>
             <a:endParaRPr lang="zh-TW" altLang="en-US"/>
           </a:p>
@@ -2585,8 +2610,8 @@
         </p:nvSpPr>
         <p:spPr>
           <a:xfrm>
-            <a:off x="457200" y="274638"/>
-            <a:ext cx="8229600" cy="1143000"/>
+            <a:off x="609600" y="274638"/>
+            <a:ext cx="10972800" cy="1143000"/>
           </a:xfrm>
           <a:prstGeom prst="rect">
             <a:avLst/>
@@ -2618,8 +2643,8 @@
         </p:nvSpPr>
         <p:spPr>
           <a:xfrm>
-            <a:off x="457200" y="1600200"/>
-            <a:ext cx="8229600" cy="4525963"/>
+            <a:off x="609600" y="1600201"/>
+            <a:ext cx="10972800" cy="4525963"/>
           </a:xfrm>
           <a:prstGeom prst="rect">
             <a:avLst/>
@@ -2680,8 +2705,8 @@
         </p:nvSpPr>
         <p:spPr>
           <a:xfrm>
-            <a:off x="457200" y="6356350"/>
-            <a:ext cx="2133600" cy="365125"/>
+            <a:off x="609600" y="6356351"/>
+            <a:ext cx="2844800" cy="365125"/>
           </a:xfrm>
           <a:prstGeom prst="rect">
             <a:avLst/>
@@ -2704,7 +2729,7 @@
             <a:fld id="{05A69A1E-DAA9-4275-BEE8-271897FFC734}" type="datetimeFigureOut">
               <a:rPr lang="zh-TW" altLang="en-US" smtClean="0"/>
               <a:pPr/>
-              <a:t>2019/5/5</a:t>
+              <a:t>2022/9/9</a:t>
             </a:fld>
             <a:endParaRPr lang="zh-TW" altLang="en-US"/>
           </a:p>
@@ -2722,8 +2747,8 @@
         </p:nvSpPr>
         <p:spPr>
           <a:xfrm>
-            <a:off x="3124200" y="6356350"/>
-            <a:ext cx="2895600" cy="365125"/>
+            <a:off x="4165600" y="6356351"/>
+            <a:ext cx="3860800" cy="365125"/>
           </a:xfrm>
           <a:prstGeom prst="rect">
             <a:avLst/>
@@ -2759,8 +2784,8 @@
         </p:nvSpPr>
         <p:spPr>
           <a:xfrm>
-            <a:off x="6553200" y="6356350"/>
-            <a:ext cx="2133600" cy="365125"/>
+            <a:off x="8737600" y="6356351"/>
+            <a:ext cx="2844800" cy="365125"/>
           </a:xfrm>
           <a:prstGeom prst="rect">
             <a:avLst/>
@@ -3085,150 +3110,1255 @@
             <p:ph type="title"/>
           </p:nvPr>
         </p:nvSpPr>
-        <p:spPr/>
-        <p:txBody>
-          <a:bodyPr/>
-          <a:lstStyle/>
-          <a:p>
-            <a:r>
-              <a:rPr lang="zh-TW" altLang="en-US" b="1" dirty="0">
+        <p:spPr>
+          <a:xfrm>
+            <a:off x="0" y="2660915"/>
+            <a:ext cx="12192000" cy="1143000"/>
+          </a:xfrm>
+        </p:spPr>
+        <p:txBody>
+          <a:bodyPr>
+            <a:noAutofit/>
+          </a:bodyPr>
+          <a:lstStyle/>
+          <a:p>
+            <a:r>
+              <a:rPr lang="zh-CN" altLang="en-US" sz="5333" b="1" u="sng" dirty="0">
+                <a:solidFill>
+                  <a:srgbClr val="000066"/>
+                </a:solidFill>
+                <a:effectLst>
+                  <a:outerShdw blurRad="38100" dist="38100" dir="2700000" algn="tl">
+                    <a:srgbClr val="000000">
+                      <a:alpha val="43137"/>
+                    </a:srgbClr>
+                  </a:outerShdw>
+                </a:effectLst>
                 <a:latin typeface="微軟正黑體" pitchFamily="34" charset="-120"/>
                 <a:ea typeface="微軟正黑體" pitchFamily="34" charset="-120"/>
               </a:rPr>
-              <a:t>快樂崇拜</a:t>
-            </a:r>
-          </a:p>
-        </p:txBody>
-      </p:sp>
-      <p:sp>
-        <p:nvSpPr>
-          <p:cNvPr id="5" name="內容版面配置區 4"/>
-          <p:cNvSpPr>
-            <a:spLocks noGrp="1"/>
-          </p:cNvSpPr>
-          <p:nvPr>
-            <p:ph idx="1"/>
-          </p:nvPr>
-        </p:nvSpPr>
-        <p:spPr/>
-        <p:txBody>
-          <a:bodyPr>
-            <a:normAutofit/>
-          </a:bodyPr>
-          <a:lstStyle/>
-          <a:p>
-            <a:pPr algn="ctr">
-              <a:buNone/>
-            </a:pPr>
-            <a:r>
-              <a:rPr lang="zh-TW" altLang="en-US" sz="5400" b="1" dirty="0" smtClean="0">
+              <a:t>生命聖詩 </a:t>
+            </a:r>
+            <a:r>
+              <a:rPr lang="en-US" altLang="zh-CN" sz="5333" b="1" u="sng" dirty="0">
+                <a:solidFill>
+                  <a:srgbClr val="000066"/>
+                </a:solidFill>
+                <a:effectLst>
+                  <a:outerShdw blurRad="38100" dist="38100" dir="2700000" algn="tl">
+                    <a:srgbClr val="000000">
+                      <a:alpha val="43137"/>
+                    </a:srgbClr>
+                  </a:outerShdw>
+                </a:effectLst>
                 <a:latin typeface="微軟正黑體" pitchFamily="34" charset="-120"/>
                 <a:ea typeface="微軟正黑體" pitchFamily="34" charset="-120"/>
               </a:rPr>
-              <a:t>快樂  快樂  我們崇拜</a:t>
-            </a:r>
-            <a:endParaRPr lang="en-US" altLang="zh-TW" sz="5400" b="1" dirty="0" smtClean="0">
-              <a:latin typeface="微軟正黑體" pitchFamily="34" charset="-120"/>
-              <a:ea typeface="微軟正黑體" pitchFamily="34" charset="-120"/>
-            </a:endParaRPr>
-          </a:p>
-          <a:p>
-            <a:pPr algn="ctr">
-              <a:buNone/>
-            </a:pPr>
-            <a:r>
-              <a:rPr lang="zh-TW" altLang="en-US" sz="5400" b="1" dirty="0" smtClean="0">
+              <a:t>22</a:t>
+            </a:r>
+            <a:r>
+              <a:rPr lang="en-US" altLang="zh-CN" sz="7200" b="1" i="1" dirty="0">
+                <a:solidFill>
+                  <a:srgbClr val="660033"/>
+                </a:solidFill>
+                <a:effectLst>
+                  <a:outerShdw blurRad="38100" dist="38100" dir="2700000" algn="tl">
+                    <a:srgbClr val="000000">
+                      <a:alpha val="43137"/>
+                    </a:srgbClr>
+                  </a:outerShdw>
+                </a:effectLst>
                 <a:latin typeface="微軟正黑體" pitchFamily="34" charset="-120"/>
                 <a:ea typeface="微軟正黑體" pitchFamily="34" charset="-120"/>
               </a:rPr>
-              <a:t>榮耀</a:t>
-            </a:r>
-            <a:r>
-              <a:rPr lang="zh-TW" altLang="en-US" sz="5400" b="1" dirty="0">
+              <a:t/>
+            </a:r>
+            <a:br>
+              <a:rPr lang="en-US" altLang="zh-CN" sz="7200" b="1" i="1" dirty="0">
+                <a:solidFill>
+                  <a:srgbClr val="660033"/>
+                </a:solidFill>
+                <a:effectLst>
+                  <a:outerShdw blurRad="38100" dist="38100" dir="2700000" algn="tl">
+                    <a:srgbClr val="000000">
+                      <a:alpha val="43137"/>
+                    </a:srgbClr>
+                  </a:outerShdw>
+                </a:effectLst>
                 <a:latin typeface="微軟正黑體" pitchFamily="34" charset="-120"/>
                 <a:ea typeface="微軟正黑體" pitchFamily="34" charset="-120"/>
               </a:rPr>
-              <a:t>慈愛大</a:t>
-            </a:r>
-            <a:r>
-              <a:rPr lang="zh-TW" altLang="en-US" sz="5400" b="1" dirty="0" smtClean="0">
+            </a:br>
+            <a:r>
+              <a:rPr lang="zh-TW" altLang="en-US" sz="8000" b="1" dirty="0">
+                <a:solidFill>
+                  <a:srgbClr val="660033"/>
+                </a:solidFill>
+                <a:effectLst>
+                  <a:outerShdw blurRad="38100" dist="38100" dir="2700000" algn="tl">
+                    <a:srgbClr val="000000">
+                      <a:alpha val="43137"/>
+                    </a:srgbClr>
+                  </a:outerShdw>
+                </a:effectLst>
                 <a:latin typeface="微軟正黑體" pitchFamily="34" charset="-120"/>
                 <a:ea typeface="微軟正黑體" pitchFamily="34" charset="-120"/>
               </a:rPr>
-              <a:t>主宰</a:t>
-            </a:r>
-            <a:endParaRPr lang="en-US" altLang="zh-TW" sz="5400" b="1" dirty="0">
-              <a:latin typeface="微軟正黑體" pitchFamily="34" charset="-120"/>
-              <a:ea typeface="微軟正黑體" pitchFamily="34" charset="-120"/>
-            </a:endParaRPr>
-          </a:p>
-          <a:p>
-            <a:pPr algn="ctr">
-              <a:buNone/>
-            </a:pPr>
-            <a:r>
-              <a:rPr lang="zh-TW" altLang="en-US" sz="5400" b="1" dirty="0" smtClean="0">
+              <a:t>快</a:t>
+            </a:r>
+            <a:r>
+              <a:rPr lang="zh-TW" altLang="en-US" sz="8000" b="1" dirty="0">
+                <a:solidFill>
+                  <a:srgbClr val="660033"/>
+                </a:solidFill>
+                <a:effectLst>
+                  <a:outerShdw blurRad="38100" dist="38100" dir="2700000" algn="tl">
+                    <a:srgbClr val="000000">
+                      <a:alpha val="43137"/>
+                    </a:srgbClr>
+                  </a:outerShdw>
+                </a:effectLst>
                 <a:latin typeface="微軟正黑體" pitchFamily="34" charset="-120"/>
                 <a:ea typeface="微軟正黑體" pitchFamily="34" charset="-120"/>
               </a:rPr>
-              <a:t>心靈</a:t>
-            </a:r>
-            <a:r>
-              <a:rPr lang="zh-TW" altLang="en-US" sz="5400" b="1" dirty="0">
-                <a:latin typeface="微軟正黑體" pitchFamily="34" charset="-120"/>
-                <a:ea typeface="微軟正黑體" pitchFamily="34" charset="-120"/>
-              </a:rPr>
-              <a:t>開啟在主</a:t>
-            </a:r>
-            <a:r>
-              <a:rPr lang="zh-TW" altLang="en-US" sz="5400" b="1" dirty="0" smtClean="0">
-                <a:latin typeface="微軟正黑體" pitchFamily="34" charset="-120"/>
-                <a:ea typeface="微軟正黑體" pitchFamily="34" charset="-120"/>
-              </a:rPr>
-              <a:t>面前</a:t>
-            </a:r>
-            <a:endParaRPr lang="en-US" altLang="zh-TW" sz="5400" b="1" dirty="0" smtClean="0">
-              <a:latin typeface="微軟正黑體" pitchFamily="34" charset="-120"/>
-              <a:ea typeface="微軟正黑體" pitchFamily="34" charset="-120"/>
-            </a:endParaRPr>
-          </a:p>
-          <a:p>
-            <a:pPr algn="ctr">
-              <a:buNone/>
-            </a:pPr>
-            <a:r>
-              <a:rPr lang="zh-TW" altLang="en-US" sz="5400" b="1" dirty="0" smtClean="0">
-                <a:latin typeface="微軟正黑體" pitchFamily="34" charset="-120"/>
-                <a:ea typeface="微軟正黑體" pitchFamily="34" charset="-120"/>
-              </a:rPr>
-              <a:t>如同</a:t>
-            </a:r>
-            <a:r>
-              <a:rPr lang="zh-TW" altLang="en-US" sz="5400" b="1" dirty="0">
-                <a:latin typeface="微軟正黑體" pitchFamily="34" charset="-120"/>
-                <a:ea typeface="微軟正黑體" pitchFamily="34" charset="-120"/>
-              </a:rPr>
-              <a:t>花朵向日</a:t>
-            </a:r>
-            <a:r>
-              <a:rPr lang="zh-TW" altLang="en-US" sz="5400" b="1" dirty="0" smtClean="0">
-                <a:latin typeface="微軟正黑體" pitchFamily="34" charset="-120"/>
-                <a:ea typeface="微軟正黑體" pitchFamily="34" charset="-120"/>
-              </a:rPr>
-              <a:t>開</a:t>
-            </a:r>
-            <a:endParaRPr lang="zh-TW" altLang="en-US" sz="5400" b="1" dirty="0">
-              <a:latin typeface="微軟正黑體" pitchFamily="34" charset="-120"/>
-              <a:ea typeface="微軟正黑體" pitchFamily="34" charset="-120"/>
-            </a:endParaRPr>
+              <a:t>樂崇拜</a:t>
+            </a:r>
           </a:p>
         </p:txBody>
       </p:sp>
     </p:spTree>
+    <p:extLst>
+      <p:ext uri="{BB962C8B-B14F-4D97-AF65-F5344CB8AC3E}">
+        <p14:creationId xmlns:p14="http://schemas.microsoft.com/office/powerpoint/2010/main" val="3362993628"/>
+      </p:ext>
+    </p:extLst>
   </p:cSld>
   <p:clrMapOvr>
     <a:masterClrMapping/>
   </p:clrMapOvr>
+  <p:timing>
+    <p:tnLst>
+      <p:par>
+        <p:cTn id="1" dur="indefinite" restart="never" nodeType="tmRoot"/>
+      </p:par>
+    </p:tnLst>
+  </p:timing>
+</p:sld>
+</file>
+
+<file path=ppt/slides/slide10.xml><?xml version="1.0" encoding="utf-8"?>
+<p:sld xmlns:a="http://schemas.openxmlformats.org/drawingml/2006/main" xmlns:r="http://schemas.openxmlformats.org/officeDocument/2006/relationships" xmlns:p="http://schemas.openxmlformats.org/presentationml/2006/main">
+  <p:cSld>
+    <p:spTree>
+      <p:nvGrpSpPr>
+        <p:cNvPr id="1" name=""/>
+        <p:cNvGrpSpPr/>
+        <p:nvPr/>
+      </p:nvGrpSpPr>
+      <p:grpSpPr>
+        <a:xfrm>
+          <a:off x="0" y="0"/>
+          <a:ext cx="0" cy="0"/>
+          <a:chOff x="0" y="0"/>
+          <a:chExt cx="0" cy="0"/>
+        </a:xfrm>
+      </p:grpSpPr>
+      <p:sp>
+        <p:nvSpPr>
+          <p:cNvPr id="5" name="內容版面配置區 4"/>
+          <p:cNvSpPr>
+            <a:spLocks noGrp="1"/>
+          </p:cNvSpPr>
+          <p:nvPr>
+            <p:ph idx="1"/>
+          </p:nvPr>
+        </p:nvSpPr>
+        <p:spPr>
+          <a:xfrm>
+            <a:off x="0" y="2084851"/>
+            <a:ext cx="12192000" cy="2404863"/>
+          </a:xfrm>
+        </p:spPr>
+        <p:txBody>
+          <a:bodyPr anchor="ctr">
+            <a:normAutofit/>
+          </a:bodyPr>
+          <a:lstStyle/>
+          <a:p>
+            <a:pPr algn="ctr">
+              <a:buNone/>
+            </a:pPr>
+            <a:r>
+              <a:rPr lang="zh-TW" altLang="en-US" sz="6400" b="1" dirty="0">
+                <a:solidFill>
+                  <a:srgbClr val="660033"/>
+                </a:solidFill>
+                <a:latin typeface="Microsoft JhengHei" pitchFamily="34" charset="-120"/>
+                <a:ea typeface="Microsoft JhengHei" pitchFamily="34" charset="-120"/>
+              </a:rPr>
+              <a:t>主願給與  主喜赦罪</a:t>
+            </a:r>
+            <a:endParaRPr lang="en-US" altLang="zh-TW" sz="6400" b="1" dirty="0">
+              <a:solidFill>
+                <a:srgbClr val="660033"/>
+              </a:solidFill>
+              <a:latin typeface="Microsoft JhengHei" pitchFamily="34" charset="-120"/>
+              <a:ea typeface="Microsoft JhengHei" pitchFamily="34" charset="-120"/>
+            </a:endParaRPr>
+          </a:p>
+          <a:p>
+            <a:pPr algn="ctr">
+              <a:buNone/>
+            </a:pPr>
+            <a:r>
+              <a:rPr lang="zh-TW" altLang="en-US" sz="6400" b="1" dirty="0">
+                <a:solidFill>
+                  <a:srgbClr val="660033"/>
+                </a:solidFill>
+                <a:latin typeface="Microsoft JhengHei" pitchFamily="34" charset="-120"/>
+                <a:ea typeface="Microsoft JhengHei" pitchFamily="34" charset="-120"/>
+              </a:rPr>
+              <a:t>永受祝頌永施恩</a:t>
+            </a:r>
+            <a:endParaRPr lang="en-US" altLang="zh-TW" sz="6400" b="1" dirty="0">
+              <a:solidFill>
+                <a:srgbClr val="660033"/>
+              </a:solidFill>
+              <a:latin typeface="Microsoft JhengHei" pitchFamily="34" charset="-120"/>
+              <a:ea typeface="Microsoft JhengHei" pitchFamily="34" charset="-120"/>
+            </a:endParaRPr>
+          </a:p>
+        </p:txBody>
+      </p:sp>
+      <p:sp>
+        <p:nvSpPr>
+          <p:cNvPr id="3" name="TextBox 2"/>
+          <p:cNvSpPr txBox="1"/>
+          <p:nvPr/>
+        </p:nvSpPr>
+        <p:spPr>
+          <a:xfrm>
+            <a:off x="0" y="5061182"/>
+            <a:ext cx="12192000" cy="830997"/>
+          </a:xfrm>
+          <a:prstGeom prst="rect">
+            <a:avLst/>
+          </a:prstGeom>
+          <a:noFill/>
+        </p:spPr>
+        <p:txBody>
+          <a:bodyPr wrap="square" rtlCol="0">
+            <a:spAutoFit/>
+          </a:bodyPr>
+          <a:lstStyle/>
+          <a:p>
+            <a:pPr algn="ctr"/>
+            <a:r>
+              <a:rPr lang="en-US" sz="4800" b="1" dirty="0">
+                <a:solidFill>
+                  <a:srgbClr val="660033"/>
+                </a:solidFill>
+              </a:rPr>
+              <a:t>( 3 / 4 )</a:t>
+            </a:r>
+            <a:endParaRPr lang="vi-VN" sz="4800" b="1" dirty="0">
+              <a:solidFill>
+                <a:srgbClr val="660033"/>
+              </a:solidFill>
+            </a:endParaRPr>
+          </a:p>
+        </p:txBody>
+      </p:sp>
+    </p:spTree>
+    <p:extLst>
+      <p:ext uri="{BB962C8B-B14F-4D97-AF65-F5344CB8AC3E}">
+        <p14:creationId xmlns:p14="http://schemas.microsoft.com/office/powerpoint/2010/main" val="1354857812"/>
+      </p:ext>
+    </p:extLst>
+  </p:cSld>
+  <p:clrMapOvr>
+    <a:masterClrMapping/>
+  </p:clrMapOvr>
+  <p:timing>
+    <p:tnLst>
+      <p:par>
+        <p:cTn id="1" dur="indefinite" restart="never" nodeType="tmRoot"/>
+      </p:par>
+    </p:tnLst>
+  </p:timing>
+</p:sld>
+</file>
+
+<file path=ppt/slides/slide11.xml><?xml version="1.0" encoding="utf-8"?>
+<p:sld xmlns:a="http://schemas.openxmlformats.org/drawingml/2006/main" xmlns:r="http://schemas.openxmlformats.org/officeDocument/2006/relationships" xmlns:p="http://schemas.openxmlformats.org/presentationml/2006/main">
+  <p:cSld>
+    <p:spTree>
+      <p:nvGrpSpPr>
+        <p:cNvPr id="1" name=""/>
+        <p:cNvGrpSpPr/>
+        <p:nvPr/>
+      </p:nvGrpSpPr>
+      <p:grpSpPr>
+        <a:xfrm>
+          <a:off x="0" y="0"/>
+          <a:ext cx="0" cy="0"/>
+          <a:chOff x="0" y="0"/>
+          <a:chExt cx="0" cy="0"/>
+        </a:xfrm>
+      </p:grpSpPr>
+      <p:sp>
+        <p:nvSpPr>
+          <p:cNvPr id="5" name="內容版面配置區 4"/>
+          <p:cNvSpPr>
+            <a:spLocks noGrp="1"/>
+          </p:cNvSpPr>
+          <p:nvPr>
+            <p:ph idx="1"/>
+          </p:nvPr>
+        </p:nvSpPr>
+        <p:spPr>
+          <a:xfrm>
+            <a:off x="0" y="2084851"/>
+            <a:ext cx="12192000" cy="2404863"/>
+          </a:xfrm>
+        </p:spPr>
+        <p:txBody>
+          <a:bodyPr anchor="ctr">
+            <a:normAutofit/>
+          </a:bodyPr>
+          <a:lstStyle/>
+          <a:p>
+            <a:pPr algn="ctr">
+              <a:buNone/>
+            </a:pPr>
+            <a:r>
+              <a:rPr lang="zh-TW" altLang="en-US" sz="6400" b="1" dirty="0">
+                <a:solidFill>
+                  <a:srgbClr val="660033"/>
+                </a:solidFill>
+                <a:latin typeface="Microsoft JhengHei" pitchFamily="34" charset="-120"/>
+                <a:ea typeface="Microsoft JhengHei" pitchFamily="34" charset="-120"/>
+              </a:rPr>
+              <a:t>主是生活喜樂源頭</a:t>
+            </a:r>
+            <a:endParaRPr lang="en-US" altLang="zh-TW" sz="6400" b="1" dirty="0">
+              <a:solidFill>
+                <a:srgbClr val="660033"/>
+              </a:solidFill>
+              <a:latin typeface="Microsoft JhengHei" pitchFamily="34" charset="-120"/>
+              <a:ea typeface="Microsoft JhengHei" pitchFamily="34" charset="-120"/>
+            </a:endParaRPr>
+          </a:p>
+          <a:p>
+            <a:pPr algn="ctr">
+              <a:buNone/>
+            </a:pPr>
+            <a:r>
+              <a:rPr lang="zh-TW" altLang="en-US" sz="6400" b="1" dirty="0">
+                <a:solidFill>
+                  <a:srgbClr val="660033"/>
+                </a:solidFill>
+                <a:latin typeface="Microsoft JhengHei" pitchFamily="34" charset="-120"/>
+                <a:ea typeface="Microsoft JhengHei" pitchFamily="34" charset="-120"/>
+              </a:rPr>
+              <a:t>賜人安息海般深</a:t>
+            </a:r>
+          </a:p>
+        </p:txBody>
+      </p:sp>
+      <p:sp>
+        <p:nvSpPr>
+          <p:cNvPr id="3" name="TextBox 2"/>
+          <p:cNvSpPr txBox="1"/>
+          <p:nvPr/>
+        </p:nvSpPr>
+        <p:spPr>
+          <a:xfrm>
+            <a:off x="0" y="5061182"/>
+            <a:ext cx="12192000" cy="830997"/>
+          </a:xfrm>
+          <a:prstGeom prst="rect">
+            <a:avLst/>
+          </a:prstGeom>
+          <a:noFill/>
+        </p:spPr>
+        <p:txBody>
+          <a:bodyPr wrap="square" rtlCol="0">
+            <a:spAutoFit/>
+          </a:bodyPr>
+          <a:lstStyle/>
+          <a:p>
+            <a:pPr algn="ctr"/>
+            <a:r>
+              <a:rPr lang="en-US" sz="4800" b="1" dirty="0">
+                <a:solidFill>
+                  <a:srgbClr val="660033"/>
+                </a:solidFill>
+              </a:rPr>
+              <a:t>( 3 / 4 )</a:t>
+            </a:r>
+            <a:endParaRPr lang="vi-VN" sz="4800" b="1" dirty="0">
+              <a:solidFill>
+                <a:srgbClr val="660033"/>
+              </a:solidFill>
+            </a:endParaRPr>
+          </a:p>
+        </p:txBody>
+      </p:sp>
+    </p:spTree>
+    <p:extLst>
+      <p:ext uri="{BB962C8B-B14F-4D97-AF65-F5344CB8AC3E}">
+        <p14:creationId xmlns:p14="http://schemas.microsoft.com/office/powerpoint/2010/main" val="2300971220"/>
+      </p:ext>
+    </p:extLst>
+  </p:cSld>
+  <p:clrMapOvr>
+    <a:masterClrMapping/>
+  </p:clrMapOvr>
+  <p:timing>
+    <p:tnLst>
+      <p:par>
+        <p:cTn id="1" dur="indefinite" restart="never" nodeType="tmRoot"/>
+      </p:par>
+    </p:tnLst>
+  </p:timing>
+</p:sld>
+</file>
+
+<file path=ppt/slides/slide12.xml><?xml version="1.0" encoding="utf-8"?>
+<p:sld xmlns:a="http://schemas.openxmlformats.org/drawingml/2006/main" xmlns:r="http://schemas.openxmlformats.org/officeDocument/2006/relationships" xmlns:p="http://schemas.openxmlformats.org/presentationml/2006/main">
+  <p:cSld>
+    <p:spTree>
+      <p:nvGrpSpPr>
+        <p:cNvPr id="1" name=""/>
+        <p:cNvGrpSpPr/>
+        <p:nvPr/>
+      </p:nvGrpSpPr>
+      <p:grpSpPr>
+        <a:xfrm>
+          <a:off x="0" y="0"/>
+          <a:ext cx="0" cy="0"/>
+          <a:chOff x="0" y="0"/>
+          <a:chExt cx="0" cy="0"/>
+        </a:xfrm>
+      </p:grpSpPr>
+      <p:sp>
+        <p:nvSpPr>
+          <p:cNvPr id="5" name="內容版面配置區 4"/>
+          <p:cNvSpPr>
+            <a:spLocks noGrp="1"/>
+          </p:cNvSpPr>
+          <p:nvPr>
+            <p:ph idx="1"/>
+          </p:nvPr>
+        </p:nvSpPr>
+        <p:spPr>
+          <a:xfrm>
+            <a:off x="0" y="2084851"/>
+            <a:ext cx="12192000" cy="2404863"/>
+          </a:xfrm>
+        </p:spPr>
+        <p:txBody>
+          <a:bodyPr anchor="ctr">
+            <a:normAutofit/>
+          </a:bodyPr>
+          <a:lstStyle/>
+          <a:p>
+            <a:pPr algn="ctr">
+              <a:buNone/>
+            </a:pPr>
+            <a:r>
+              <a:rPr lang="zh-TW" altLang="en-US" sz="6400" b="1" dirty="0">
+                <a:solidFill>
+                  <a:srgbClr val="660033"/>
+                </a:solidFill>
+                <a:latin typeface="Microsoft JhengHei" pitchFamily="34" charset="-120"/>
+                <a:ea typeface="Microsoft JhengHei" pitchFamily="34" charset="-120"/>
+              </a:rPr>
+              <a:t>神是父親  基督是兄</a:t>
+            </a:r>
+            <a:endParaRPr lang="en-US" altLang="zh-TW" sz="6400" b="1" dirty="0">
+              <a:solidFill>
+                <a:srgbClr val="660033"/>
+              </a:solidFill>
+              <a:latin typeface="Microsoft JhengHei" pitchFamily="34" charset="-120"/>
+              <a:ea typeface="Microsoft JhengHei" pitchFamily="34" charset="-120"/>
+            </a:endParaRPr>
+          </a:p>
+          <a:p>
+            <a:pPr algn="ctr">
+              <a:buNone/>
+            </a:pPr>
+            <a:r>
+              <a:rPr lang="zh-TW" altLang="en-US" sz="6400" b="1" dirty="0">
+                <a:solidFill>
+                  <a:srgbClr val="660033"/>
+                </a:solidFill>
+                <a:latin typeface="Microsoft JhengHei" pitchFamily="34" charset="-120"/>
+                <a:ea typeface="Microsoft JhengHei" pitchFamily="34" charset="-120"/>
+              </a:rPr>
+              <a:t>愛中生活皆主民</a:t>
+            </a:r>
+            <a:endParaRPr lang="en-US" altLang="zh-TW" sz="6400" b="1" dirty="0">
+              <a:solidFill>
+                <a:srgbClr val="660033"/>
+              </a:solidFill>
+              <a:latin typeface="Microsoft JhengHei" pitchFamily="34" charset="-120"/>
+              <a:ea typeface="Microsoft JhengHei" pitchFamily="34" charset="-120"/>
+            </a:endParaRPr>
+          </a:p>
+        </p:txBody>
+      </p:sp>
+      <p:sp>
+        <p:nvSpPr>
+          <p:cNvPr id="3" name="TextBox 2"/>
+          <p:cNvSpPr txBox="1"/>
+          <p:nvPr/>
+        </p:nvSpPr>
+        <p:spPr>
+          <a:xfrm>
+            <a:off x="0" y="5061182"/>
+            <a:ext cx="12192000" cy="830997"/>
+          </a:xfrm>
+          <a:prstGeom prst="rect">
+            <a:avLst/>
+          </a:prstGeom>
+          <a:noFill/>
+        </p:spPr>
+        <p:txBody>
+          <a:bodyPr wrap="square" rtlCol="0">
+            <a:spAutoFit/>
+          </a:bodyPr>
+          <a:lstStyle/>
+          <a:p>
+            <a:pPr algn="ctr"/>
+            <a:r>
+              <a:rPr lang="en-US" sz="4800" b="1" dirty="0">
+                <a:solidFill>
+                  <a:srgbClr val="660033"/>
+                </a:solidFill>
+              </a:rPr>
+              <a:t>( 3 / 4 )</a:t>
+            </a:r>
+            <a:endParaRPr lang="vi-VN" sz="4800" b="1" dirty="0">
+              <a:solidFill>
+                <a:srgbClr val="660033"/>
+              </a:solidFill>
+            </a:endParaRPr>
+          </a:p>
+        </p:txBody>
+      </p:sp>
+    </p:spTree>
+    <p:extLst>
+      <p:ext uri="{BB962C8B-B14F-4D97-AF65-F5344CB8AC3E}">
+        <p14:creationId xmlns:p14="http://schemas.microsoft.com/office/powerpoint/2010/main" val="2199989906"/>
+      </p:ext>
+    </p:extLst>
+  </p:cSld>
+  <p:clrMapOvr>
+    <a:masterClrMapping/>
+  </p:clrMapOvr>
+  <p:timing>
+    <p:tnLst>
+      <p:par>
+        <p:cTn id="1" dur="indefinite" restart="never" nodeType="tmRoot"/>
+      </p:par>
+    </p:tnLst>
+  </p:timing>
+</p:sld>
+</file>
+
+<file path=ppt/slides/slide13.xml><?xml version="1.0" encoding="utf-8"?>
+<p:sld xmlns:a="http://schemas.openxmlformats.org/drawingml/2006/main" xmlns:r="http://schemas.openxmlformats.org/officeDocument/2006/relationships" xmlns:p="http://schemas.openxmlformats.org/presentationml/2006/main">
+  <p:cSld>
+    <p:spTree>
+      <p:nvGrpSpPr>
+        <p:cNvPr id="1" name=""/>
+        <p:cNvGrpSpPr/>
+        <p:nvPr/>
+      </p:nvGrpSpPr>
+      <p:grpSpPr>
+        <a:xfrm>
+          <a:off x="0" y="0"/>
+          <a:ext cx="0" cy="0"/>
+          <a:chOff x="0" y="0"/>
+          <a:chExt cx="0" cy="0"/>
+        </a:xfrm>
+      </p:grpSpPr>
+      <p:sp>
+        <p:nvSpPr>
+          <p:cNvPr id="5" name="內容版面配置區 4"/>
+          <p:cNvSpPr>
+            <a:spLocks noGrp="1"/>
+          </p:cNvSpPr>
+          <p:nvPr>
+            <p:ph idx="1"/>
+          </p:nvPr>
+        </p:nvSpPr>
+        <p:spPr>
+          <a:xfrm>
+            <a:off x="0" y="2084851"/>
+            <a:ext cx="12192000" cy="2404863"/>
+          </a:xfrm>
+        </p:spPr>
+        <p:txBody>
+          <a:bodyPr anchor="ctr">
+            <a:normAutofit/>
+          </a:bodyPr>
+          <a:lstStyle/>
+          <a:p>
+            <a:pPr algn="ctr">
+              <a:buNone/>
+            </a:pPr>
+            <a:r>
+              <a:rPr lang="zh-TW" altLang="en-US" sz="6400" b="1" dirty="0">
+                <a:solidFill>
+                  <a:srgbClr val="660033"/>
+                </a:solidFill>
+                <a:latin typeface="Microsoft JhengHei" pitchFamily="34" charset="-120"/>
+                <a:ea typeface="Microsoft JhengHei" pitchFamily="34" charset="-120"/>
+              </a:rPr>
+              <a:t>求教我們相愛相親</a:t>
+            </a:r>
+            <a:endParaRPr lang="en-US" altLang="zh-TW" sz="6400" b="1" dirty="0">
+              <a:solidFill>
+                <a:srgbClr val="660033"/>
+              </a:solidFill>
+              <a:latin typeface="Microsoft JhengHei" pitchFamily="34" charset="-120"/>
+              <a:ea typeface="Microsoft JhengHei" pitchFamily="34" charset="-120"/>
+            </a:endParaRPr>
+          </a:p>
+          <a:p>
+            <a:pPr algn="ctr">
+              <a:buNone/>
+            </a:pPr>
+            <a:r>
+              <a:rPr lang="zh-TW" altLang="en-US" sz="6400" b="1" dirty="0">
+                <a:solidFill>
+                  <a:srgbClr val="660033"/>
+                </a:solidFill>
+                <a:latin typeface="Microsoft JhengHei" pitchFamily="34" charset="-120"/>
+                <a:ea typeface="Microsoft JhengHei" pitchFamily="34" charset="-120"/>
+              </a:rPr>
+              <a:t>同享人生大歡欣</a:t>
+            </a:r>
+          </a:p>
+        </p:txBody>
+      </p:sp>
+      <p:sp>
+        <p:nvSpPr>
+          <p:cNvPr id="3" name="TextBox 2"/>
+          <p:cNvSpPr txBox="1"/>
+          <p:nvPr/>
+        </p:nvSpPr>
+        <p:spPr>
+          <a:xfrm>
+            <a:off x="0" y="5061182"/>
+            <a:ext cx="12192000" cy="830997"/>
+          </a:xfrm>
+          <a:prstGeom prst="rect">
+            <a:avLst/>
+          </a:prstGeom>
+          <a:noFill/>
+        </p:spPr>
+        <p:txBody>
+          <a:bodyPr wrap="square" rtlCol="0">
+            <a:spAutoFit/>
+          </a:bodyPr>
+          <a:lstStyle/>
+          <a:p>
+            <a:pPr algn="ctr"/>
+            <a:r>
+              <a:rPr lang="en-US" sz="4800" b="1" dirty="0">
+                <a:solidFill>
+                  <a:srgbClr val="660033"/>
+                </a:solidFill>
+              </a:rPr>
+              <a:t>( 3 / 4 )</a:t>
+            </a:r>
+            <a:endParaRPr lang="vi-VN" sz="4800" b="1" dirty="0">
+              <a:solidFill>
+                <a:srgbClr val="660033"/>
+              </a:solidFill>
+            </a:endParaRPr>
+          </a:p>
+        </p:txBody>
+      </p:sp>
+    </p:spTree>
+    <p:extLst>
+      <p:ext uri="{BB962C8B-B14F-4D97-AF65-F5344CB8AC3E}">
+        <p14:creationId xmlns:p14="http://schemas.microsoft.com/office/powerpoint/2010/main" val="99779728"/>
+      </p:ext>
+    </p:extLst>
+  </p:cSld>
+  <p:clrMapOvr>
+    <a:masterClrMapping/>
+  </p:clrMapOvr>
+  <p:timing>
+    <p:tnLst>
+      <p:par>
+        <p:cTn id="1" dur="indefinite" restart="never" nodeType="tmRoot"/>
+      </p:par>
+    </p:tnLst>
+  </p:timing>
+</p:sld>
+</file>
+
+<file path=ppt/slides/slide14.xml><?xml version="1.0" encoding="utf-8"?>
+<p:sld xmlns:a="http://schemas.openxmlformats.org/drawingml/2006/main" xmlns:r="http://schemas.openxmlformats.org/officeDocument/2006/relationships" xmlns:p="http://schemas.openxmlformats.org/presentationml/2006/main">
+  <p:cSld>
+    <p:spTree>
+      <p:nvGrpSpPr>
+        <p:cNvPr id="1" name=""/>
+        <p:cNvGrpSpPr/>
+        <p:nvPr/>
+      </p:nvGrpSpPr>
+      <p:grpSpPr>
+        <a:xfrm>
+          <a:off x="0" y="0"/>
+          <a:ext cx="0" cy="0"/>
+          <a:chOff x="0" y="0"/>
+          <a:chExt cx="0" cy="0"/>
+        </a:xfrm>
+      </p:grpSpPr>
+      <p:sp>
+        <p:nvSpPr>
+          <p:cNvPr id="5" name="內容版面配置區 4"/>
+          <p:cNvSpPr>
+            <a:spLocks noGrp="1"/>
+          </p:cNvSpPr>
+          <p:nvPr>
+            <p:ph idx="1"/>
+          </p:nvPr>
+        </p:nvSpPr>
+        <p:spPr>
+          <a:xfrm>
+            <a:off x="0" y="2084851"/>
+            <a:ext cx="12192000" cy="2404863"/>
+          </a:xfrm>
+        </p:spPr>
+        <p:txBody>
+          <a:bodyPr anchor="ctr">
+            <a:normAutofit/>
+          </a:bodyPr>
+          <a:lstStyle/>
+          <a:p>
+            <a:pPr algn="ctr">
+              <a:buNone/>
+            </a:pPr>
+            <a:r>
+              <a:rPr lang="zh-TW" altLang="en-US" sz="6400" b="1" dirty="0">
+                <a:solidFill>
+                  <a:srgbClr val="660033"/>
+                </a:solidFill>
+                <a:latin typeface="Microsoft JhengHei" pitchFamily="34" charset="-120"/>
+                <a:ea typeface="Microsoft JhengHei" pitchFamily="34" charset="-120"/>
+              </a:rPr>
+              <a:t>晨星引起偉大歌聲</a:t>
+            </a:r>
+            <a:endParaRPr lang="en-US" altLang="zh-TW" sz="6400" b="1" dirty="0">
+              <a:solidFill>
+                <a:srgbClr val="660033"/>
+              </a:solidFill>
+              <a:latin typeface="Microsoft JhengHei" pitchFamily="34" charset="-120"/>
+              <a:ea typeface="Microsoft JhengHei" pitchFamily="34" charset="-120"/>
+            </a:endParaRPr>
+          </a:p>
+          <a:p>
+            <a:pPr algn="ctr">
+              <a:buNone/>
+            </a:pPr>
+            <a:r>
+              <a:rPr lang="zh-TW" altLang="en-US" sz="6400" b="1" dirty="0">
+                <a:solidFill>
+                  <a:srgbClr val="660033"/>
+                </a:solidFill>
+                <a:latin typeface="Microsoft JhengHei" pitchFamily="34" charset="-120"/>
+                <a:ea typeface="Microsoft JhengHei" pitchFamily="34" charset="-120"/>
+              </a:rPr>
+              <a:t>普世萬民都響應</a:t>
+            </a:r>
+            <a:endParaRPr lang="en-US" altLang="zh-TW" sz="6400" b="1" dirty="0">
+              <a:solidFill>
+                <a:srgbClr val="660033"/>
+              </a:solidFill>
+              <a:latin typeface="Microsoft JhengHei" pitchFamily="34" charset="-120"/>
+              <a:ea typeface="Microsoft JhengHei" pitchFamily="34" charset="-120"/>
+            </a:endParaRPr>
+          </a:p>
+        </p:txBody>
+      </p:sp>
+      <p:sp>
+        <p:nvSpPr>
+          <p:cNvPr id="3" name="TextBox 2"/>
+          <p:cNvSpPr txBox="1"/>
+          <p:nvPr/>
+        </p:nvSpPr>
+        <p:spPr>
+          <a:xfrm>
+            <a:off x="0" y="5061182"/>
+            <a:ext cx="12192000" cy="830997"/>
+          </a:xfrm>
+          <a:prstGeom prst="rect">
+            <a:avLst/>
+          </a:prstGeom>
+          <a:noFill/>
+        </p:spPr>
+        <p:txBody>
+          <a:bodyPr wrap="square" rtlCol="0">
+            <a:spAutoFit/>
+          </a:bodyPr>
+          <a:lstStyle/>
+          <a:p>
+            <a:pPr algn="ctr"/>
+            <a:r>
+              <a:rPr lang="en-US" sz="4800" b="1" dirty="0">
+                <a:solidFill>
+                  <a:srgbClr val="660033"/>
+                </a:solidFill>
+              </a:rPr>
+              <a:t>( 4 / 4 )</a:t>
+            </a:r>
+            <a:endParaRPr lang="vi-VN" sz="4800" b="1" dirty="0">
+              <a:solidFill>
+                <a:srgbClr val="660033"/>
+              </a:solidFill>
+            </a:endParaRPr>
+          </a:p>
+        </p:txBody>
+      </p:sp>
+    </p:spTree>
+    <p:extLst>
+      <p:ext uri="{BB962C8B-B14F-4D97-AF65-F5344CB8AC3E}">
+        <p14:creationId xmlns:p14="http://schemas.microsoft.com/office/powerpoint/2010/main" val="21681649"/>
+      </p:ext>
+    </p:extLst>
+  </p:cSld>
+  <p:clrMapOvr>
+    <a:masterClrMapping/>
+  </p:clrMapOvr>
+  <p:timing>
+    <p:tnLst>
+      <p:par>
+        <p:cTn id="1" dur="indefinite" restart="never" nodeType="tmRoot"/>
+      </p:par>
+    </p:tnLst>
+  </p:timing>
+</p:sld>
+</file>
+
+<file path=ppt/slides/slide15.xml><?xml version="1.0" encoding="utf-8"?>
+<p:sld xmlns:a="http://schemas.openxmlformats.org/drawingml/2006/main" xmlns:r="http://schemas.openxmlformats.org/officeDocument/2006/relationships" xmlns:p="http://schemas.openxmlformats.org/presentationml/2006/main">
+  <p:cSld>
+    <p:spTree>
+      <p:nvGrpSpPr>
+        <p:cNvPr id="1" name=""/>
+        <p:cNvGrpSpPr/>
+        <p:nvPr/>
+      </p:nvGrpSpPr>
+      <p:grpSpPr>
+        <a:xfrm>
+          <a:off x="0" y="0"/>
+          <a:ext cx="0" cy="0"/>
+          <a:chOff x="0" y="0"/>
+          <a:chExt cx="0" cy="0"/>
+        </a:xfrm>
+      </p:grpSpPr>
+      <p:sp>
+        <p:nvSpPr>
+          <p:cNvPr id="5" name="內容版面配置區 4"/>
+          <p:cNvSpPr>
+            <a:spLocks noGrp="1"/>
+          </p:cNvSpPr>
+          <p:nvPr>
+            <p:ph idx="1"/>
+          </p:nvPr>
+        </p:nvSpPr>
+        <p:spPr>
+          <a:xfrm>
+            <a:off x="0" y="2084851"/>
+            <a:ext cx="12192000" cy="2404863"/>
+          </a:xfrm>
+        </p:spPr>
+        <p:txBody>
+          <a:bodyPr anchor="ctr">
+            <a:normAutofit/>
+          </a:bodyPr>
+          <a:lstStyle/>
+          <a:p>
+            <a:pPr algn="ctr">
+              <a:buNone/>
+            </a:pPr>
+            <a:r>
+              <a:rPr lang="zh-TW" altLang="en-US" sz="6400" b="1" dirty="0">
+                <a:solidFill>
+                  <a:srgbClr val="660033"/>
+                </a:solidFill>
+                <a:latin typeface="Microsoft JhengHei" pitchFamily="34" charset="-120"/>
+                <a:ea typeface="Microsoft JhengHei" pitchFamily="34" charset="-120"/>
+              </a:rPr>
+              <a:t>天父慈愛統治我們</a:t>
+            </a:r>
+            <a:endParaRPr lang="en-US" altLang="zh-TW" sz="6400" b="1" dirty="0">
+              <a:solidFill>
+                <a:srgbClr val="660033"/>
+              </a:solidFill>
+              <a:latin typeface="Microsoft JhengHei" pitchFamily="34" charset="-120"/>
+              <a:ea typeface="Microsoft JhengHei" pitchFamily="34" charset="-120"/>
+            </a:endParaRPr>
+          </a:p>
+          <a:p>
+            <a:pPr algn="ctr">
+              <a:buNone/>
+            </a:pPr>
+            <a:r>
+              <a:rPr lang="zh-TW" altLang="en-US" sz="6400" b="1" dirty="0">
+                <a:solidFill>
+                  <a:srgbClr val="660033"/>
+                </a:solidFill>
+                <a:latin typeface="Microsoft JhengHei" pitchFamily="34" charset="-120"/>
+                <a:ea typeface="Microsoft JhengHei" pitchFamily="34" charset="-120"/>
+              </a:rPr>
+              <a:t>弟兄友愛繫人群</a:t>
+            </a:r>
+          </a:p>
+        </p:txBody>
+      </p:sp>
+      <p:sp>
+        <p:nvSpPr>
+          <p:cNvPr id="3" name="TextBox 2"/>
+          <p:cNvSpPr txBox="1"/>
+          <p:nvPr/>
+        </p:nvSpPr>
+        <p:spPr>
+          <a:xfrm>
+            <a:off x="0" y="5061182"/>
+            <a:ext cx="12192000" cy="830997"/>
+          </a:xfrm>
+          <a:prstGeom prst="rect">
+            <a:avLst/>
+          </a:prstGeom>
+          <a:noFill/>
+        </p:spPr>
+        <p:txBody>
+          <a:bodyPr wrap="square" rtlCol="0">
+            <a:spAutoFit/>
+          </a:bodyPr>
+          <a:lstStyle/>
+          <a:p>
+            <a:pPr algn="ctr"/>
+            <a:r>
+              <a:rPr lang="en-US" sz="4800" b="1" dirty="0">
+                <a:solidFill>
+                  <a:srgbClr val="660033"/>
+                </a:solidFill>
+              </a:rPr>
+              <a:t>( 4 / 4 )</a:t>
+            </a:r>
+            <a:endParaRPr lang="vi-VN" sz="4800" b="1" dirty="0">
+              <a:solidFill>
+                <a:srgbClr val="660033"/>
+              </a:solidFill>
+            </a:endParaRPr>
+          </a:p>
+        </p:txBody>
+      </p:sp>
+    </p:spTree>
+    <p:extLst>
+      <p:ext uri="{BB962C8B-B14F-4D97-AF65-F5344CB8AC3E}">
+        <p14:creationId xmlns:p14="http://schemas.microsoft.com/office/powerpoint/2010/main" val="3245569363"/>
+      </p:ext>
+    </p:extLst>
+  </p:cSld>
+  <p:clrMapOvr>
+    <a:masterClrMapping/>
+  </p:clrMapOvr>
+  <p:timing>
+    <p:tnLst>
+      <p:par>
+        <p:cTn id="1" dur="indefinite" restart="never" nodeType="tmRoot"/>
+      </p:par>
+    </p:tnLst>
+  </p:timing>
+</p:sld>
+</file>
+
+<file path=ppt/slides/slide16.xml><?xml version="1.0" encoding="utf-8"?>
+<p:sld xmlns:a="http://schemas.openxmlformats.org/drawingml/2006/main" xmlns:r="http://schemas.openxmlformats.org/officeDocument/2006/relationships" xmlns:p="http://schemas.openxmlformats.org/presentationml/2006/main">
+  <p:cSld>
+    <p:spTree>
+      <p:nvGrpSpPr>
+        <p:cNvPr id="1" name=""/>
+        <p:cNvGrpSpPr/>
+        <p:nvPr/>
+      </p:nvGrpSpPr>
+      <p:grpSpPr>
+        <a:xfrm>
+          <a:off x="0" y="0"/>
+          <a:ext cx="0" cy="0"/>
+          <a:chOff x="0" y="0"/>
+          <a:chExt cx="0" cy="0"/>
+        </a:xfrm>
+      </p:grpSpPr>
+      <p:sp>
+        <p:nvSpPr>
+          <p:cNvPr id="5" name="內容版面配置區 4"/>
+          <p:cNvSpPr>
+            <a:spLocks noGrp="1"/>
+          </p:cNvSpPr>
+          <p:nvPr>
+            <p:ph idx="1"/>
+          </p:nvPr>
+        </p:nvSpPr>
+        <p:spPr>
+          <a:xfrm>
+            <a:off x="0" y="2084851"/>
+            <a:ext cx="12192000" cy="2404863"/>
+          </a:xfrm>
+        </p:spPr>
+        <p:txBody>
+          <a:bodyPr anchor="ctr">
+            <a:normAutofit/>
+          </a:bodyPr>
+          <a:lstStyle/>
+          <a:p>
+            <a:pPr algn="ctr">
+              <a:buNone/>
+            </a:pPr>
+            <a:r>
+              <a:rPr lang="zh-TW" altLang="en-US" sz="6400" b="1" dirty="0">
+                <a:solidFill>
+                  <a:srgbClr val="660033"/>
+                </a:solidFill>
+                <a:latin typeface="Microsoft JhengHei" pitchFamily="34" charset="-120"/>
+                <a:ea typeface="Microsoft JhengHei" pitchFamily="34" charset="-120"/>
+              </a:rPr>
+              <a:t>一同前進  歌唱不停</a:t>
+            </a:r>
+            <a:endParaRPr lang="en-US" altLang="zh-TW" sz="6400" b="1" dirty="0">
+              <a:solidFill>
+                <a:srgbClr val="660033"/>
+              </a:solidFill>
+              <a:latin typeface="Microsoft JhengHei" pitchFamily="34" charset="-120"/>
+              <a:ea typeface="Microsoft JhengHei" pitchFamily="34" charset="-120"/>
+            </a:endParaRPr>
+          </a:p>
+          <a:p>
+            <a:pPr algn="ctr">
+              <a:buNone/>
+            </a:pPr>
+            <a:r>
+              <a:rPr lang="zh-TW" altLang="en-US" sz="6400" b="1" dirty="0">
+                <a:solidFill>
+                  <a:srgbClr val="660033"/>
+                </a:solidFill>
+                <a:latin typeface="Microsoft JhengHei" pitchFamily="34" charset="-120"/>
+                <a:ea typeface="Microsoft JhengHei" pitchFamily="34" charset="-120"/>
+              </a:rPr>
+              <a:t>忠勇爭戰勝利軍</a:t>
+            </a:r>
+            <a:endParaRPr lang="en-US" altLang="zh-TW" sz="6400" b="1" dirty="0">
+              <a:solidFill>
+                <a:srgbClr val="660033"/>
+              </a:solidFill>
+              <a:latin typeface="Microsoft JhengHei" pitchFamily="34" charset="-120"/>
+              <a:ea typeface="Microsoft JhengHei" pitchFamily="34" charset="-120"/>
+            </a:endParaRPr>
+          </a:p>
+        </p:txBody>
+      </p:sp>
+      <p:sp>
+        <p:nvSpPr>
+          <p:cNvPr id="3" name="TextBox 2"/>
+          <p:cNvSpPr txBox="1"/>
+          <p:nvPr/>
+        </p:nvSpPr>
+        <p:spPr>
+          <a:xfrm>
+            <a:off x="0" y="5061182"/>
+            <a:ext cx="12192000" cy="830997"/>
+          </a:xfrm>
+          <a:prstGeom prst="rect">
+            <a:avLst/>
+          </a:prstGeom>
+          <a:noFill/>
+        </p:spPr>
+        <p:txBody>
+          <a:bodyPr wrap="square" rtlCol="0">
+            <a:spAutoFit/>
+          </a:bodyPr>
+          <a:lstStyle/>
+          <a:p>
+            <a:pPr algn="ctr"/>
+            <a:r>
+              <a:rPr lang="en-US" sz="4800" b="1" dirty="0">
+                <a:solidFill>
+                  <a:srgbClr val="660033"/>
+                </a:solidFill>
+              </a:rPr>
+              <a:t>( 4 / 4 )</a:t>
+            </a:r>
+            <a:endParaRPr lang="vi-VN" sz="4800" b="1" dirty="0">
+              <a:solidFill>
+                <a:srgbClr val="660033"/>
+              </a:solidFill>
+            </a:endParaRPr>
+          </a:p>
+        </p:txBody>
+      </p:sp>
+    </p:spTree>
+    <p:extLst>
+      <p:ext uri="{BB962C8B-B14F-4D97-AF65-F5344CB8AC3E}">
+        <p14:creationId xmlns:p14="http://schemas.microsoft.com/office/powerpoint/2010/main" val="700844302"/>
+      </p:ext>
+    </p:extLst>
+  </p:cSld>
+  <p:clrMapOvr>
+    <a:masterClrMapping/>
+  </p:clrMapOvr>
+  <p:timing>
+    <p:tnLst>
+      <p:par>
+        <p:cTn id="1" dur="indefinite" restart="never" nodeType="tmRoot"/>
+      </p:par>
+    </p:tnLst>
+  </p:timing>
+</p:sld>
+</file>
+
+<file path=ppt/slides/slide17.xml><?xml version="1.0" encoding="utf-8"?>
+<p:sld xmlns:a="http://schemas.openxmlformats.org/drawingml/2006/main" xmlns:r="http://schemas.openxmlformats.org/officeDocument/2006/relationships" xmlns:p="http://schemas.openxmlformats.org/presentationml/2006/main">
+  <p:cSld>
+    <p:spTree>
+      <p:nvGrpSpPr>
+        <p:cNvPr id="1" name=""/>
+        <p:cNvGrpSpPr/>
+        <p:nvPr/>
+      </p:nvGrpSpPr>
+      <p:grpSpPr>
+        <a:xfrm>
+          <a:off x="0" y="0"/>
+          <a:ext cx="0" cy="0"/>
+          <a:chOff x="0" y="0"/>
+          <a:chExt cx="0" cy="0"/>
+        </a:xfrm>
+      </p:grpSpPr>
+      <p:sp>
+        <p:nvSpPr>
+          <p:cNvPr id="5" name="內容版面配置區 4"/>
+          <p:cNvSpPr>
+            <a:spLocks noGrp="1"/>
+          </p:cNvSpPr>
+          <p:nvPr>
+            <p:ph idx="1"/>
+          </p:nvPr>
+        </p:nvSpPr>
+        <p:spPr>
+          <a:xfrm>
+            <a:off x="0" y="2084851"/>
+            <a:ext cx="12192000" cy="2404863"/>
+          </a:xfrm>
+        </p:spPr>
+        <p:txBody>
+          <a:bodyPr anchor="ctr">
+            <a:normAutofit/>
+          </a:bodyPr>
+          <a:lstStyle/>
+          <a:p>
+            <a:pPr algn="ctr">
+              <a:buNone/>
+            </a:pPr>
+            <a:r>
+              <a:rPr lang="zh-TW" altLang="en-US" sz="6400" b="1" dirty="0">
+                <a:solidFill>
+                  <a:srgbClr val="660033"/>
+                </a:solidFill>
+                <a:latin typeface="Microsoft JhengHei" pitchFamily="34" charset="-120"/>
+                <a:ea typeface="Microsoft JhengHei" pitchFamily="34" charset="-120"/>
+              </a:rPr>
+              <a:t>歡欣樂曲  導向光明</a:t>
+            </a:r>
+            <a:endParaRPr lang="en-US" altLang="zh-TW" sz="6400" b="1" dirty="0">
+              <a:solidFill>
+                <a:srgbClr val="660033"/>
+              </a:solidFill>
+              <a:latin typeface="Microsoft JhengHei" pitchFamily="34" charset="-120"/>
+              <a:ea typeface="Microsoft JhengHei" pitchFamily="34" charset="-120"/>
+            </a:endParaRPr>
+          </a:p>
+          <a:p>
+            <a:pPr algn="ctr">
+              <a:buNone/>
+            </a:pPr>
+            <a:r>
+              <a:rPr lang="zh-TW" altLang="en-US" sz="6400" b="1" dirty="0">
+                <a:solidFill>
+                  <a:srgbClr val="660033"/>
+                </a:solidFill>
+                <a:latin typeface="Microsoft JhengHei" pitchFamily="34" charset="-120"/>
+                <a:ea typeface="Microsoft JhengHei" pitchFamily="34" charset="-120"/>
+              </a:rPr>
+              <a:t>同唱凱歌慶永生</a:t>
+            </a:r>
+          </a:p>
+        </p:txBody>
+      </p:sp>
+      <p:sp>
+        <p:nvSpPr>
+          <p:cNvPr id="3" name="TextBox 2"/>
+          <p:cNvSpPr txBox="1"/>
+          <p:nvPr/>
+        </p:nvSpPr>
+        <p:spPr>
+          <a:xfrm>
+            <a:off x="0" y="5061182"/>
+            <a:ext cx="12192000" cy="830997"/>
+          </a:xfrm>
+          <a:prstGeom prst="rect">
+            <a:avLst/>
+          </a:prstGeom>
+          <a:noFill/>
+        </p:spPr>
+        <p:txBody>
+          <a:bodyPr wrap="square" rtlCol="0">
+            <a:spAutoFit/>
+          </a:bodyPr>
+          <a:lstStyle/>
+          <a:p>
+            <a:pPr algn="ctr"/>
+            <a:r>
+              <a:rPr lang="en-US" sz="4800" b="1" dirty="0">
+                <a:solidFill>
+                  <a:srgbClr val="660033"/>
+                </a:solidFill>
+              </a:rPr>
+              <a:t>( 4 / 4 )</a:t>
+            </a:r>
+            <a:endParaRPr lang="vi-VN" sz="4800" b="1" dirty="0">
+              <a:solidFill>
+                <a:srgbClr val="660033"/>
+              </a:solidFill>
+            </a:endParaRPr>
+          </a:p>
+        </p:txBody>
+      </p:sp>
+    </p:spTree>
+    <p:extLst>
+      <p:ext uri="{BB962C8B-B14F-4D97-AF65-F5344CB8AC3E}">
+        <p14:creationId xmlns:p14="http://schemas.microsoft.com/office/powerpoint/2010/main" val="1119183247"/>
+      </p:ext>
+    </p:extLst>
+  </p:cSld>
+  <p:clrMapOvr>
+    <a:masterClrMapping/>
+  </p:clrMapOvr>
+  <p:timing>
+    <p:tnLst>
+      <p:par>
+        <p:cTn id="1" dur="indefinite" restart="never" nodeType="tmRoot"/>
+      </p:par>
+    </p:tnLst>
+  </p:timing>
 </p:sld>
 </file>
 
@@ -3251,188 +4381,137 @@
       </p:grpSpPr>
       <p:sp>
         <p:nvSpPr>
-          <p:cNvPr id="4" name="標題 3"/>
-          <p:cNvSpPr>
-            <a:spLocks noGrp="1"/>
-          </p:cNvSpPr>
-          <p:nvPr>
-            <p:ph type="title"/>
-          </p:nvPr>
-        </p:nvSpPr>
-        <p:spPr/>
-        <p:txBody>
-          <a:bodyPr>
+          <p:cNvPr id="5" name="內容版面配置區 4"/>
+          <p:cNvSpPr>
+            <a:spLocks noGrp="1"/>
+          </p:cNvSpPr>
+          <p:nvPr>
+            <p:ph idx="1"/>
+          </p:nvPr>
+        </p:nvSpPr>
+        <p:spPr>
+          <a:xfrm>
+            <a:off x="0" y="2084851"/>
+            <a:ext cx="12192000" cy="2404863"/>
+          </a:xfrm>
+        </p:spPr>
+        <p:txBody>
+          <a:bodyPr anchor="ctr">
             <a:normAutofit/>
           </a:bodyPr>
           <a:lstStyle/>
           <a:p>
-            <a:r>
-              <a:rPr lang="zh-TW" altLang="en-US" b="1" dirty="0">
-                <a:latin typeface="微軟正黑體" pitchFamily="34" charset="-120"/>
-                <a:ea typeface="微軟正黑體" pitchFamily="34" charset="-120"/>
+            <a:pPr algn="ctr">
+              <a:buNone/>
+            </a:pPr>
+            <a:r>
+              <a:rPr lang="zh-TW" altLang="en-US" sz="6400" b="1" dirty="0">
+                <a:solidFill>
+                  <a:srgbClr val="660033"/>
+                </a:solidFill>
+                <a:latin typeface="Microsoft JhengHei" pitchFamily="34" charset="-120"/>
+                <a:ea typeface="Microsoft JhengHei" pitchFamily="34" charset="-120"/>
               </a:rPr>
-              <a:t>快樂崇拜</a:t>
-            </a:r>
-          </a:p>
-        </p:txBody>
-      </p:sp>
-      <p:sp>
-        <p:nvSpPr>
-          <p:cNvPr id="5" name="內容版面配置區 4"/>
-          <p:cNvSpPr>
-            <a:spLocks noGrp="1"/>
-          </p:cNvSpPr>
-          <p:nvPr>
-            <p:ph idx="1"/>
-          </p:nvPr>
-        </p:nvSpPr>
-        <p:spPr/>
-        <p:txBody>
-          <a:bodyPr>
-            <a:normAutofit/>
+              <a:t>快</a:t>
+            </a:r>
+            <a:r>
+              <a:rPr lang="zh-TW" altLang="en-US" sz="6400" b="1" dirty="0">
+                <a:solidFill>
+                  <a:srgbClr val="660033"/>
+                </a:solidFill>
+                <a:latin typeface="Microsoft JhengHei" pitchFamily="34" charset="-120"/>
+                <a:ea typeface="Microsoft JhengHei" pitchFamily="34" charset="-120"/>
+              </a:rPr>
+              <a:t>樂  快樂  我們崇拜</a:t>
+            </a:r>
+            <a:endParaRPr lang="en-US" altLang="zh-TW" sz="6400" b="1" dirty="0">
+              <a:solidFill>
+                <a:srgbClr val="660033"/>
+              </a:solidFill>
+              <a:latin typeface="Microsoft JhengHei" pitchFamily="34" charset="-120"/>
+              <a:ea typeface="Microsoft JhengHei" pitchFamily="34" charset="-120"/>
+            </a:endParaRPr>
+          </a:p>
+          <a:p>
+            <a:pPr algn="ctr">
+              <a:buNone/>
+            </a:pPr>
+            <a:r>
+              <a:rPr lang="zh-TW" altLang="en-US" sz="6400" b="1" dirty="0">
+                <a:solidFill>
+                  <a:srgbClr val="660033"/>
+                </a:solidFill>
+                <a:latin typeface="Microsoft JhengHei" pitchFamily="34" charset="-120"/>
+                <a:ea typeface="Microsoft JhengHei" pitchFamily="34" charset="-120"/>
+              </a:rPr>
+              <a:t>榮耀慈愛大主宰</a:t>
+            </a:r>
+            <a:endParaRPr lang="en-US" altLang="zh-TW" sz="6400" b="1" dirty="0">
+              <a:solidFill>
+                <a:srgbClr val="660033"/>
+              </a:solidFill>
+              <a:latin typeface="Microsoft JhengHei" pitchFamily="34" charset="-120"/>
+              <a:ea typeface="Microsoft JhengHei" pitchFamily="34" charset="-120"/>
+            </a:endParaRPr>
+          </a:p>
+        </p:txBody>
+      </p:sp>
+      <p:sp>
+        <p:nvSpPr>
+          <p:cNvPr id="3" name="TextBox 2"/>
+          <p:cNvSpPr txBox="1"/>
+          <p:nvPr/>
+        </p:nvSpPr>
+        <p:spPr>
+          <a:xfrm>
+            <a:off x="0" y="5061182"/>
+            <a:ext cx="12192000" cy="830997"/>
+          </a:xfrm>
+          <a:prstGeom prst="rect">
+            <a:avLst/>
+          </a:prstGeom>
+          <a:noFill/>
+        </p:spPr>
+        <p:txBody>
+          <a:bodyPr wrap="square" rtlCol="0">
+            <a:spAutoFit/>
           </a:bodyPr>
           <a:lstStyle/>
           <a:p>
-            <a:pPr algn="ctr">
-              <a:buNone/>
-            </a:pPr>
-            <a:r>
-              <a:rPr lang="zh-TW" altLang="en-US" sz="5400" b="1" dirty="0" smtClean="0">
-                <a:latin typeface="微軟正黑體" pitchFamily="34" charset="-120"/>
-                <a:ea typeface="微軟正黑體" pitchFamily="34" charset="-120"/>
+            <a:pPr algn="ctr"/>
+            <a:r>
+              <a:rPr lang="en-US" sz="4800" b="1" dirty="0">
+                <a:solidFill>
+                  <a:srgbClr val="660033"/>
+                </a:solidFill>
               </a:rPr>
-              <a:t>愁</a:t>
-            </a:r>
-            <a:r>
-              <a:rPr lang="zh-TW" altLang="en-US" sz="5400" b="1" dirty="0">
-                <a:latin typeface="微軟正黑體" pitchFamily="34" charset="-120"/>
-                <a:ea typeface="微軟正黑體" pitchFamily="34" charset="-120"/>
-              </a:rPr>
-              <a:t>霧</a:t>
-            </a:r>
-            <a:r>
-              <a:rPr lang="zh-TW" altLang="en-US" sz="5400" b="1" dirty="0" smtClean="0">
-                <a:latin typeface="微軟正黑體" pitchFamily="34" charset="-120"/>
-                <a:ea typeface="微軟正黑體" pitchFamily="34" charset="-120"/>
-              </a:rPr>
-              <a:t>疑雲  罪惡</a:t>
-            </a:r>
-            <a:r>
-              <a:rPr lang="zh-TW" altLang="en-US" sz="5400" b="1" dirty="0">
-                <a:latin typeface="微軟正黑體" pitchFamily="34" charset="-120"/>
-                <a:ea typeface="微軟正黑體" pitchFamily="34" charset="-120"/>
-              </a:rPr>
-              <a:t>憂</a:t>
-            </a:r>
-            <a:r>
-              <a:rPr lang="zh-TW" altLang="en-US" sz="5400" b="1" dirty="0" smtClean="0">
-                <a:latin typeface="微軟正黑體" pitchFamily="34" charset="-120"/>
-                <a:ea typeface="微軟正黑體" pitchFamily="34" charset="-120"/>
-              </a:rPr>
-              <a:t>驚</a:t>
-            </a:r>
-            <a:endParaRPr lang="en-US" altLang="zh-TW" sz="5400" b="1" dirty="0" smtClean="0">
-              <a:latin typeface="微軟正黑體" pitchFamily="34" charset="-120"/>
-              <a:ea typeface="微軟正黑體" pitchFamily="34" charset="-120"/>
+              <a:t>( 1 / 4 )</a:t>
+            </a:r>
+            <a:endParaRPr lang="vi-VN" sz="4800" b="1" dirty="0">
+              <a:solidFill>
+                <a:srgbClr val="660033"/>
+              </a:solidFill>
             </a:endParaRPr>
           </a:p>
-          <a:p>
-            <a:pPr algn="ctr">
-              <a:buNone/>
-            </a:pPr>
-            <a:r>
-              <a:rPr lang="zh-TW" altLang="en-US" sz="5400" b="1" dirty="0" smtClean="0">
-                <a:latin typeface="微軟正黑體" pitchFamily="34" charset="-120"/>
-                <a:ea typeface="微軟正黑體" pitchFamily="34" charset="-120"/>
-              </a:rPr>
-              <a:t>懇求</a:t>
-            </a:r>
-            <a:r>
-              <a:rPr lang="zh-TW" altLang="en-US" sz="5400" b="1" dirty="0">
-                <a:latin typeface="微軟正黑體" pitchFamily="34" charset="-120"/>
-                <a:ea typeface="微軟正黑體" pitchFamily="34" charset="-120"/>
-              </a:rPr>
-              <a:t>救主盡除</a:t>
-            </a:r>
-            <a:r>
-              <a:rPr lang="zh-TW" altLang="en-US" sz="5400" b="1" dirty="0" smtClean="0">
-                <a:latin typeface="微軟正黑體" pitchFamily="34" charset="-120"/>
-                <a:ea typeface="微軟正黑體" pitchFamily="34" charset="-120"/>
-              </a:rPr>
-              <a:t>清</a:t>
-            </a:r>
-            <a:endParaRPr lang="en-US" altLang="zh-TW" sz="5400" b="1" dirty="0">
-              <a:latin typeface="微軟正黑體" pitchFamily="34" charset="-120"/>
-              <a:ea typeface="微軟正黑體" pitchFamily="34" charset="-120"/>
-            </a:endParaRPr>
-          </a:p>
-          <a:p>
-            <a:pPr algn="ctr">
-              <a:buNone/>
-            </a:pPr>
-            <a:r>
-              <a:rPr lang="zh-TW" altLang="en-US" sz="5400" b="1" dirty="0" smtClean="0">
-                <a:latin typeface="微軟正黑體" pitchFamily="34" charset="-120"/>
-                <a:ea typeface="微軟正黑體" pitchFamily="34" charset="-120"/>
-              </a:rPr>
-              <a:t>萬福之源  永樂</a:t>
-            </a:r>
-            <a:r>
-              <a:rPr lang="zh-TW" altLang="en-US" sz="5400" b="1" dirty="0">
-                <a:latin typeface="微軟正黑體" pitchFamily="34" charset="-120"/>
-                <a:ea typeface="微軟正黑體" pitchFamily="34" charset="-120"/>
-              </a:rPr>
-              <a:t>之</a:t>
-            </a:r>
-            <a:r>
-              <a:rPr lang="zh-TW" altLang="en-US" sz="5400" b="1" dirty="0" smtClean="0">
-                <a:latin typeface="微軟正黑體" pitchFamily="34" charset="-120"/>
-                <a:ea typeface="微軟正黑體" pitchFamily="34" charset="-120"/>
-              </a:rPr>
-              <a:t>主</a:t>
-            </a:r>
-            <a:endParaRPr lang="en-US" altLang="zh-TW" sz="5400" b="1" dirty="0" smtClean="0">
-              <a:latin typeface="微軟正黑體" pitchFamily="34" charset="-120"/>
-              <a:ea typeface="微軟正黑體" pitchFamily="34" charset="-120"/>
-            </a:endParaRPr>
-          </a:p>
-          <a:p>
-            <a:pPr algn="ctr">
-              <a:buNone/>
-            </a:pPr>
-            <a:r>
-              <a:rPr lang="zh-TW" altLang="en-US" sz="5400" b="1" dirty="0" smtClean="0">
-                <a:latin typeface="微軟正黑體" pitchFamily="34" charset="-120"/>
-                <a:ea typeface="微軟正黑體" pitchFamily="34" charset="-120"/>
-              </a:rPr>
-              <a:t>求</a:t>
-            </a:r>
-            <a:r>
-              <a:rPr lang="zh-TW" altLang="en-US" sz="5400" b="1" dirty="0">
-                <a:latin typeface="微軟正黑體" pitchFamily="34" charset="-120"/>
-                <a:ea typeface="微軟正黑體" pitchFamily="34" charset="-120"/>
-              </a:rPr>
-              <a:t>賜光明滿我</a:t>
-            </a:r>
-            <a:r>
-              <a:rPr lang="zh-TW" altLang="en-US" sz="5400" b="1" dirty="0" smtClean="0">
-                <a:latin typeface="微軟正黑體" pitchFamily="34" charset="-120"/>
-                <a:ea typeface="微軟正黑體" pitchFamily="34" charset="-120"/>
-              </a:rPr>
-              <a:t>靈</a:t>
-            </a:r>
-            <a:endParaRPr lang="zh-TW" altLang="en-US" sz="5400" b="1" dirty="0">
-              <a:latin typeface="微軟正黑體" pitchFamily="34" charset="-120"/>
-              <a:ea typeface="微軟正黑體" pitchFamily="34" charset="-120"/>
-            </a:endParaRPr>
-          </a:p>
         </p:txBody>
       </p:sp>
     </p:spTree>
+    <p:extLst>
+      <p:ext uri="{BB962C8B-B14F-4D97-AF65-F5344CB8AC3E}">
+        <p14:creationId xmlns:p14="http://schemas.microsoft.com/office/powerpoint/2010/main" val="3781491513"/>
+      </p:ext>
+    </p:extLst>
   </p:cSld>
   <p:clrMapOvr>
     <a:masterClrMapping/>
   </p:clrMapOvr>
+  <p:timing>
+    <p:tnLst>
+      <p:par>
+        <p:cTn id="1" dur="indefinite" restart="never" nodeType="tmRoot"/>
+      </p:par>
+    </p:tnLst>
+  </p:timing>
 </p:sld>
 </file>
 
@@ -3455,156 +4534,120 @@
       </p:grpSpPr>
       <p:sp>
         <p:nvSpPr>
-          <p:cNvPr id="4" name="標題 3"/>
-          <p:cNvSpPr>
-            <a:spLocks noGrp="1"/>
-          </p:cNvSpPr>
-          <p:nvPr>
-            <p:ph type="title"/>
-          </p:nvPr>
-        </p:nvSpPr>
-        <p:spPr/>
-        <p:txBody>
-          <a:bodyPr>
+          <p:cNvPr id="5" name="內容版面配置區 4"/>
+          <p:cNvSpPr>
+            <a:spLocks noGrp="1"/>
+          </p:cNvSpPr>
+          <p:nvPr>
+            <p:ph idx="1"/>
+          </p:nvPr>
+        </p:nvSpPr>
+        <p:spPr>
+          <a:xfrm>
+            <a:off x="0" y="2084851"/>
+            <a:ext cx="12192000" cy="2404863"/>
+          </a:xfrm>
+        </p:spPr>
+        <p:txBody>
+          <a:bodyPr anchor="ctr">
             <a:normAutofit/>
           </a:bodyPr>
           <a:lstStyle/>
           <a:p>
-            <a:r>
-              <a:rPr lang="zh-TW" altLang="en-US" b="1" dirty="0">
-                <a:latin typeface="微軟正黑體" pitchFamily="34" charset="-120"/>
-                <a:ea typeface="微軟正黑體" pitchFamily="34" charset="-120"/>
+            <a:pPr algn="ctr">
+              <a:buNone/>
+            </a:pPr>
+            <a:r>
+              <a:rPr lang="zh-TW" altLang="en-US" sz="6400" b="1" dirty="0">
+                <a:solidFill>
+                  <a:srgbClr val="660033"/>
+                </a:solidFill>
+                <a:latin typeface="Microsoft JhengHei" pitchFamily="34" charset="-120"/>
+                <a:ea typeface="Microsoft JhengHei" pitchFamily="34" charset="-120"/>
               </a:rPr>
-              <a:t>快樂崇拜</a:t>
-            </a:r>
-          </a:p>
-        </p:txBody>
-      </p:sp>
-      <p:sp>
-        <p:nvSpPr>
-          <p:cNvPr id="5" name="內容版面配置區 4"/>
-          <p:cNvSpPr>
-            <a:spLocks noGrp="1"/>
-          </p:cNvSpPr>
-          <p:nvPr>
-            <p:ph idx="1"/>
-          </p:nvPr>
-        </p:nvSpPr>
-        <p:spPr/>
-        <p:txBody>
-          <a:bodyPr>
-            <a:normAutofit/>
+              <a:t>心靈開啟在主面前</a:t>
+            </a:r>
+            <a:endParaRPr lang="en-US" altLang="zh-TW" sz="6400" b="1" dirty="0">
+              <a:solidFill>
+                <a:srgbClr val="660033"/>
+              </a:solidFill>
+              <a:latin typeface="Microsoft JhengHei" pitchFamily="34" charset="-120"/>
+              <a:ea typeface="Microsoft JhengHei" pitchFamily="34" charset="-120"/>
+            </a:endParaRPr>
+          </a:p>
+          <a:p>
+            <a:pPr algn="ctr">
+              <a:buNone/>
+            </a:pPr>
+            <a:r>
+              <a:rPr lang="zh-TW" altLang="en-US" sz="6400" b="1" dirty="0">
+                <a:solidFill>
+                  <a:srgbClr val="660033"/>
+                </a:solidFill>
+                <a:latin typeface="Microsoft JhengHei" pitchFamily="34" charset="-120"/>
+                <a:ea typeface="Microsoft JhengHei" pitchFamily="34" charset="-120"/>
+              </a:rPr>
+              <a:t>如同花朵向日開</a:t>
+            </a:r>
+          </a:p>
+        </p:txBody>
+      </p:sp>
+      <p:sp>
+        <p:nvSpPr>
+          <p:cNvPr id="3" name="TextBox 2"/>
+          <p:cNvSpPr txBox="1"/>
+          <p:nvPr/>
+        </p:nvSpPr>
+        <p:spPr>
+          <a:xfrm>
+            <a:off x="0" y="5061182"/>
+            <a:ext cx="12192000" cy="830997"/>
+          </a:xfrm>
+          <a:prstGeom prst="rect">
+            <a:avLst/>
+          </a:prstGeom>
+          <a:noFill/>
+        </p:spPr>
+        <p:txBody>
+          <a:bodyPr wrap="square" rtlCol="0">
+            <a:spAutoFit/>
           </a:bodyPr>
           <a:lstStyle/>
           <a:p>
-            <a:pPr algn="ctr">
-              <a:buNone/>
-            </a:pPr>
-            <a:r>
-              <a:rPr lang="zh-TW" altLang="en-US" sz="5400" b="1" dirty="0">
-                <a:latin typeface="微軟正黑體" pitchFamily="34" charset="-120"/>
-                <a:ea typeface="微軟正黑體" pitchFamily="34" charset="-120"/>
+            <a:pPr algn="ctr"/>
+            <a:r>
+              <a:rPr lang="en-US" sz="4800" b="1" dirty="0">
+                <a:solidFill>
+                  <a:srgbClr val="660033"/>
+                </a:solidFill>
               </a:rPr>
-              <a:t>環繞主座萬物同</a:t>
-            </a:r>
-            <a:r>
-              <a:rPr lang="zh-TW" altLang="en-US" sz="5400" b="1" dirty="0" smtClean="0">
-                <a:latin typeface="微軟正黑體" pitchFamily="34" charset="-120"/>
-                <a:ea typeface="微軟正黑體" pitchFamily="34" charset="-120"/>
-              </a:rPr>
-              <a:t>歡</a:t>
-            </a:r>
-            <a:endParaRPr lang="en-US" altLang="zh-TW" sz="5400" b="1" dirty="0" smtClean="0">
-              <a:latin typeface="微軟正黑體" pitchFamily="34" charset="-120"/>
-              <a:ea typeface="微軟正黑體" pitchFamily="34" charset="-120"/>
+              <a:t>( 1 / 4 )</a:t>
+            </a:r>
+            <a:endParaRPr lang="vi-VN" sz="4800" b="1" dirty="0">
+              <a:solidFill>
+                <a:srgbClr val="660033"/>
+              </a:solidFill>
             </a:endParaRPr>
           </a:p>
-          <a:p>
-            <a:pPr algn="ctr">
-              <a:buNone/>
-            </a:pPr>
-            <a:r>
-              <a:rPr lang="zh-TW" altLang="en-US" sz="5400" b="1" dirty="0" smtClean="0">
-                <a:latin typeface="微軟正黑體" pitchFamily="34" charset="-120"/>
-                <a:ea typeface="微軟正黑體" pitchFamily="34" charset="-120"/>
-              </a:rPr>
-              <a:t>天地</a:t>
-            </a:r>
-            <a:r>
-              <a:rPr lang="zh-TW" altLang="en-US" sz="5400" b="1" dirty="0">
-                <a:latin typeface="微軟正黑體" pitchFamily="34" charset="-120"/>
-                <a:ea typeface="微軟正黑體" pitchFamily="34" charset="-120"/>
-              </a:rPr>
-              <a:t>反映主</a:t>
-            </a:r>
-            <a:r>
-              <a:rPr lang="zh-TW" altLang="en-US" sz="5400" b="1" dirty="0" smtClean="0">
-                <a:latin typeface="微軟正黑體" pitchFamily="34" charset="-120"/>
-                <a:ea typeface="微軟正黑體" pitchFamily="34" charset="-120"/>
-              </a:rPr>
-              <a:t>榮光</a:t>
-            </a:r>
-            <a:endParaRPr lang="en-US" altLang="zh-TW" sz="5400" b="1" dirty="0">
-              <a:latin typeface="微軟正黑體" pitchFamily="34" charset="-120"/>
-              <a:ea typeface="微軟正黑體" pitchFamily="34" charset="-120"/>
-            </a:endParaRPr>
-          </a:p>
-          <a:p>
-            <a:pPr algn="ctr">
-              <a:buNone/>
-            </a:pPr>
-            <a:r>
-              <a:rPr lang="zh-TW" altLang="en-US" sz="5400" b="1" dirty="0" smtClean="0">
-                <a:latin typeface="微軟正黑體" pitchFamily="34" charset="-120"/>
-                <a:ea typeface="微軟正黑體" pitchFamily="34" charset="-120"/>
-              </a:rPr>
-              <a:t>天使  星宿</a:t>
-            </a:r>
-            <a:r>
-              <a:rPr lang="zh-TW" altLang="en-US" sz="5400" b="1" dirty="0">
-                <a:latin typeface="微軟正黑體" pitchFamily="34" charset="-120"/>
-                <a:ea typeface="微軟正黑體" pitchFamily="34" charset="-120"/>
-              </a:rPr>
-              <a:t>繞主</a:t>
-            </a:r>
-            <a:r>
-              <a:rPr lang="zh-TW" altLang="en-US" sz="5400" b="1" dirty="0" smtClean="0">
-                <a:latin typeface="微軟正黑體" pitchFamily="34" charset="-120"/>
-                <a:ea typeface="微軟正黑體" pitchFamily="34" charset="-120"/>
-              </a:rPr>
-              <a:t>歌唱</a:t>
-            </a:r>
-            <a:endParaRPr lang="en-US" altLang="zh-TW" sz="5400" b="1" dirty="0" smtClean="0">
-              <a:latin typeface="微軟正黑體" pitchFamily="34" charset="-120"/>
-              <a:ea typeface="微軟正黑體" pitchFamily="34" charset="-120"/>
-            </a:endParaRPr>
-          </a:p>
-          <a:p>
-            <a:pPr algn="ctr">
-              <a:buNone/>
-            </a:pPr>
-            <a:r>
-              <a:rPr lang="zh-TW" altLang="en-US" sz="5400" b="1" dirty="0" smtClean="0">
-                <a:latin typeface="微軟正黑體" pitchFamily="34" charset="-120"/>
-                <a:ea typeface="微軟正黑體" pitchFamily="34" charset="-120"/>
-              </a:rPr>
-              <a:t>不住</a:t>
-            </a:r>
-            <a:r>
-              <a:rPr lang="zh-TW" altLang="en-US" sz="5400" b="1" dirty="0">
-                <a:latin typeface="微軟正黑體" pitchFamily="34" charset="-120"/>
-                <a:ea typeface="微軟正黑體" pitchFamily="34" charset="-120"/>
-              </a:rPr>
-              <a:t>崇拜永頌揚</a:t>
-            </a:r>
-          </a:p>
         </p:txBody>
       </p:sp>
     </p:spTree>
+    <p:extLst>
+      <p:ext uri="{BB962C8B-B14F-4D97-AF65-F5344CB8AC3E}">
+        <p14:creationId xmlns:p14="http://schemas.microsoft.com/office/powerpoint/2010/main" val="418703105"/>
+      </p:ext>
+    </p:extLst>
   </p:cSld>
   <p:clrMapOvr>
     <a:masterClrMapping/>
   </p:clrMapOvr>
+  <p:timing>
+    <p:tnLst>
+      <p:par>
+        <p:cTn id="1" dur="indefinite" restart="never" nodeType="tmRoot"/>
+      </p:par>
+    </p:tnLst>
+  </p:timing>
 </p:sld>
 </file>
 
@@ -3627,170 +4670,127 @@
       </p:grpSpPr>
       <p:sp>
         <p:nvSpPr>
-          <p:cNvPr id="4" name="標題 3"/>
-          <p:cNvSpPr>
-            <a:spLocks noGrp="1"/>
-          </p:cNvSpPr>
-          <p:nvPr>
-            <p:ph type="title"/>
-          </p:nvPr>
-        </p:nvSpPr>
-        <p:spPr/>
-        <p:txBody>
-          <a:bodyPr>
+          <p:cNvPr id="5" name="內容版面配置區 4"/>
+          <p:cNvSpPr>
+            <a:spLocks noGrp="1"/>
+          </p:cNvSpPr>
+          <p:nvPr>
+            <p:ph idx="1"/>
+          </p:nvPr>
+        </p:nvSpPr>
+        <p:spPr>
+          <a:xfrm>
+            <a:off x="0" y="2084851"/>
+            <a:ext cx="12192000" cy="2404863"/>
+          </a:xfrm>
+        </p:spPr>
+        <p:txBody>
+          <a:bodyPr anchor="ctr">
             <a:normAutofit/>
           </a:bodyPr>
           <a:lstStyle/>
           <a:p>
-            <a:r>
-              <a:rPr lang="zh-TW" altLang="en-US" b="1" dirty="0">
-                <a:latin typeface="微軟正黑體" pitchFamily="34" charset="-120"/>
-                <a:ea typeface="微軟正黑體" pitchFamily="34" charset="-120"/>
+            <a:pPr algn="ctr">
+              <a:buNone/>
+            </a:pPr>
+            <a:r>
+              <a:rPr lang="zh-TW" altLang="en-US" sz="6400" b="1" dirty="0">
+                <a:solidFill>
+                  <a:srgbClr val="660033"/>
+                </a:solidFill>
+                <a:latin typeface="Microsoft JhengHei" pitchFamily="34" charset="-120"/>
+                <a:ea typeface="Microsoft JhengHei" pitchFamily="34" charset="-120"/>
               </a:rPr>
-              <a:t>快樂崇拜</a:t>
-            </a:r>
-          </a:p>
-        </p:txBody>
-      </p:sp>
-      <p:sp>
-        <p:nvSpPr>
-          <p:cNvPr id="5" name="內容版面配置區 4"/>
-          <p:cNvSpPr>
-            <a:spLocks noGrp="1"/>
-          </p:cNvSpPr>
-          <p:nvPr>
-            <p:ph idx="1"/>
-          </p:nvPr>
-        </p:nvSpPr>
-        <p:spPr/>
-        <p:txBody>
-          <a:bodyPr>
-            <a:normAutofit/>
+              <a:t>愁霧疑雲  罪惡憂驚</a:t>
+            </a:r>
+            <a:endParaRPr lang="en-US" altLang="zh-TW" sz="6400" b="1" dirty="0">
+              <a:solidFill>
+                <a:srgbClr val="660033"/>
+              </a:solidFill>
+              <a:latin typeface="Microsoft JhengHei" pitchFamily="34" charset="-120"/>
+              <a:ea typeface="Microsoft JhengHei" pitchFamily="34" charset="-120"/>
+            </a:endParaRPr>
+          </a:p>
+          <a:p>
+            <a:pPr algn="ctr">
+              <a:buNone/>
+            </a:pPr>
+            <a:r>
+              <a:rPr lang="zh-TW" altLang="en-US" sz="6400" b="1" dirty="0">
+                <a:solidFill>
+                  <a:srgbClr val="660033"/>
+                </a:solidFill>
+                <a:latin typeface="Microsoft JhengHei" pitchFamily="34" charset="-120"/>
+                <a:ea typeface="Microsoft JhengHei" pitchFamily="34" charset="-120"/>
+              </a:rPr>
+              <a:t>懇求救主盡除清</a:t>
+            </a:r>
+            <a:endParaRPr lang="en-US" altLang="zh-TW" sz="6400" b="1" dirty="0">
+              <a:solidFill>
+                <a:srgbClr val="660033"/>
+              </a:solidFill>
+              <a:latin typeface="Microsoft JhengHei" pitchFamily="34" charset="-120"/>
+              <a:ea typeface="Microsoft JhengHei" pitchFamily="34" charset="-120"/>
+            </a:endParaRPr>
+          </a:p>
+        </p:txBody>
+      </p:sp>
+      <p:sp>
+        <p:nvSpPr>
+          <p:cNvPr id="3" name="TextBox 2"/>
+          <p:cNvSpPr txBox="1"/>
+          <p:nvPr/>
+        </p:nvSpPr>
+        <p:spPr>
+          <a:xfrm>
+            <a:off x="0" y="5061182"/>
+            <a:ext cx="12192000" cy="830997"/>
+          </a:xfrm>
+          <a:prstGeom prst="rect">
+            <a:avLst/>
+          </a:prstGeom>
+          <a:noFill/>
+        </p:spPr>
+        <p:txBody>
+          <a:bodyPr wrap="square" rtlCol="0">
+            <a:spAutoFit/>
           </a:bodyPr>
           <a:lstStyle/>
           <a:p>
-            <a:pPr algn="ctr">
-              <a:buNone/>
-            </a:pPr>
-            <a:r>
-              <a:rPr lang="zh-TW" altLang="en-US" sz="5400" b="1" dirty="0">
-                <a:latin typeface="微軟正黑體" pitchFamily="34" charset="-120"/>
-                <a:ea typeface="微軟正黑體" pitchFamily="34" charset="-120"/>
+            <a:pPr algn="ctr"/>
+            <a:r>
+              <a:rPr lang="en-US" sz="4800" b="1" dirty="0">
+                <a:solidFill>
+                  <a:srgbClr val="660033"/>
+                </a:solidFill>
               </a:rPr>
-              <a:t>四野</a:t>
-            </a:r>
-            <a:r>
-              <a:rPr lang="zh-TW" altLang="en-US" sz="5400" b="1" dirty="0" smtClean="0">
-                <a:latin typeface="微軟正黑體" pitchFamily="34" charset="-120"/>
-                <a:ea typeface="微軟正黑體" pitchFamily="34" charset="-120"/>
-              </a:rPr>
-              <a:t>森林  低谷高山</a:t>
-            </a:r>
-            <a:endParaRPr lang="en-US" altLang="zh-TW" sz="5400" b="1" dirty="0" smtClean="0">
-              <a:latin typeface="微軟正黑體" pitchFamily="34" charset="-120"/>
-              <a:ea typeface="微軟正黑體" pitchFamily="34" charset="-120"/>
+              <a:t>( 1 / 4 )</a:t>
+            </a:r>
+            <a:endParaRPr lang="vi-VN" sz="4800" b="1" dirty="0">
+              <a:solidFill>
+                <a:srgbClr val="660033"/>
+              </a:solidFill>
             </a:endParaRPr>
           </a:p>
-          <a:p>
-            <a:pPr algn="ctr">
-              <a:buNone/>
-            </a:pPr>
-            <a:r>
-              <a:rPr lang="zh-TW" altLang="en-US" sz="5400" b="1" dirty="0" smtClean="0">
-                <a:latin typeface="微軟正黑體" pitchFamily="34" charset="-120"/>
-                <a:ea typeface="微軟正黑體" pitchFamily="34" charset="-120"/>
-              </a:rPr>
-              <a:t>青翠</a:t>
-            </a:r>
-            <a:r>
-              <a:rPr lang="zh-TW" altLang="en-US" sz="5400" b="1" dirty="0">
-                <a:latin typeface="微軟正黑體" pitchFamily="34" charset="-120"/>
-                <a:ea typeface="微軟正黑體" pitchFamily="34" charset="-120"/>
-              </a:rPr>
-              <a:t>草原及</a:t>
-            </a:r>
-            <a:r>
-              <a:rPr lang="zh-TW" altLang="en-US" sz="5400" b="1" dirty="0" smtClean="0">
-                <a:latin typeface="微軟正黑體" pitchFamily="34" charset="-120"/>
-                <a:ea typeface="微軟正黑體" pitchFamily="34" charset="-120"/>
-              </a:rPr>
-              <a:t>海洋</a:t>
-            </a:r>
-            <a:endParaRPr lang="en-US" altLang="zh-TW" sz="5400" b="1" dirty="0">
-              <a:latin typeface="微軟正黑體" pitchFamily="34" charset="-120"/>
-              <a:ea typeface="微軟正黑體" pitchFamily="34" charset="-120"/>
-            </a:endParaRPr>
-          </a:p>
-          <a:p>
-            <a:pPr algn="ctr">
-              <a:buNone/>
-            </a:pPr>
-            <a:r>
-              <a:rPr lang="zh-TW" altLang="en-US" sz="5400" b="1" dirty="0" smtClean="0">
-                <a:latin typeface="微軟正黑體" pitchFamily="34" charset="-120"/>
-                <a:ea typeface="微軟正黑體" pitchFamily="34" charset="-120"/>
-              </a:rPr>
-              <a:t>清</a:t>
-            </a:r>
-            <a:r>
-              <a:rPr lang="zh-TW" altLang="en-US" sz="5400" b="1" dirty="0">
-                <a:latin typeface="微軟正黑體" pitchFamily="34" charset="-120"/>
-                <a:ea typeface="微軟正黑體" pitchFamily="34" charset="-120"/>
-              </a:rPr>
-              <a:t>歌</a:t>
-            </a:r>
-            <a:r>
-              <a:rPr lang="zh-TW" altLang="en-US" sz="5400" b="1" dirty="0" smtClean="0">
-                <a:latin typeface="微軟正黑體" pitchFamily="34" charset="-120"/>
-                <a:ea typeface="微軟正黑體" pitchFamily="34" charset="-120"/>
-              </a:rPr>
-              <a:t>小鳥  輕</a:t>
-            </a:r>
-            <a:r>
-              <a:rPr lang="zh-TW" altLang="en-US" sz="5400" b="1" dirty="0">
-                <a:latin typeface="微軟正黑體" pitchFamily="34" charset="-120"/>
-                <a:ea typeface="微軟正黑體" pitchFamily="34" charset="-120"/>
-              </a:rPr>
-              <a:t>注流</a:t>
-            </a:r>
-            <a:r>
-              <a:rPr lang="zh-TW" altLang="en-US" sz="5400" b="1" dirty="0" smtClean="0">
-                <a:latin typeface="微軟正黑體" pitchFamily="34" charset="-120"/>
-                <a:ea typeface="微軟正黑體" pitchFamily="34" charset="-120"/>
-              </a:rPr>
-              <a:t>泉</a:t>
-            </a:r>
-            <a:endParaRPr lang="en-US" altLang="zh-TW" sz="5400" b="1" dirty="0" smtClean="0">
-              <a:latin typeface="微軟正黑體" pitchFamily="34" charset="-120"/>
-              <a:ea typeface="微軟正黑體" pitchFamily="34" charset="-120"/>
-            </a:endParaRPr>
-          </a:p>
-          <a:p>
-            <a:pPr algn="ctr">
-              <a:buNone/>
-            </a:pPr>
-            <a:r>
-              <a:rPr lang="zh-TW" altLang="en-US" sz="5400" b="1" dirty="0" smtClean="0">
-                <a:latin typeface="微軟正黑體" pitchFamily="34" charset="-120"/>
-                <a:ea typeface="微軟正黑體" pitchFamily="34" charset="-120"/>
-              </a:rPr>
-              <a:t>喚醒</a:t>
-            </a:r>
-            <a:r>
-              <a:rPr lang="zh-TW" altLang="en-US" sz="5400" b="1" dirty="0">
-                <a:latin typeface="微軟正黑體" pitchFamily="34" charset="-120"/>
-                <a:ea typeface="微軟正黑體" pitchFamily="34" charset="-120"/>
-              </a:rPr>
-              <a:t>我們同歡唱</a:t>
-            </a:r>
-          </a:p>
         </p:txBody>
       </p:sp>
     </p:spTree>
+    <p:extLst>
+      <p:ext uri="{BB962C8B-B14F-4D97-AF65-F5344CB8AC3E}">
+        <p14:creationId xmlns:p14="http://schemas.microsoft.com/office/powerpoint/2010/main" val="1584143700"/>
+      </p:ext>
+    </p:extLst>
   </p:cSld>
   <p:clrMapOvr>
     <a:masterClrMapping/>
   </p:clrMapOvr>
+  <p:timing>
+    <p:tnLst>
+      <p:par>
+        <p:cTn id="1" dur="indefinite" restart="never" nodeType="tmRoot"/>
+      </p:par>
+    </p:tnLst>
+  </p:timing>
 </p:sld>
 </file>
 
@@ -3813,170 +4813,120 @@
       </p:grpSpPr>
       <p:sp>
         <p:nvSpPr>
-          <p:cNvPr id="4" name="標題 3"/>
-          <p:cNvSpPr>
-            <a:spLocks noGrp="1"/>
-          </p:cNvSpPr>
-          <p:nvPr>
-            <p:ph type="title"/>
-          </p:nvPr>
-        </p:nvSpPr>
-        <p:spPr/>
-        <p:txBody>
-          <a:bodyPr>
+          <p:cNvPr id="5" name="內容版面配置區 4"/>
+          <p:cNvSpPr>
+            <a:spLocks noGrp="1"/>
+          </p:cNvSpPr>
+          <p:nvPr>
+            <p:ph idx="1"/>
+          </p:nvPr>
+        </p:nvSpPr>
+        <p:spPr>
+          <a:xfrm>
+            <a:off x="0" y="2084851"/>
+            <a:ext cx="12192000" cy="2404863"/>
+          </a:xfrm>
+        </p:spPr>
+        <p:txBody>
+          <a:bodyPr anchor="ctr">
             <a:normAutofit/>
           </a:bodyPr>
           <a:lstStyle/>
           <a:p>
-            <a:r>
-              <a:rPr lang="zh-TW" altLang="en-US" b="1" dirty="0">
-                <a:latin typeface="微軟正黑體" pitchFamily="34" charset="-120"/>
-                <a:ea typeface="微軟正黑體" pitchFamily="34" charset="-120"/>
+            <a:pPr algn="ctr">
+              <a:buNone/>
+            </a:pPr>
+            <a:r>
+              <a:rPr lang="zh-TW" altLang="en-US" sz="6400" b="1" dirty="0">
+                <a:solidFill>
+                  <a:srgbClr val="660033"/>
+                </a:solidFill>
+                <a:latin typeface="Microsoft JhengHei" pitchFamily="34" charset="-120"/>
+                <a:ea typeface="Microsoft JhengHei" pitchFamily="34" charset="-120"/>
               </a:rPr>
-              <a:t>快樂崇拜</a:t>
-            </a:r>
-          </a:p>
-        </p:txBody>
-      </p:sp>
-      <p:sp>
-        <p:nvSpPr>
-          <p:cNvPr id="5" name="內容版面配置區 4"/>
-          <p:cNvSpPr>
-            <a:spLocks noGrp="1"/>
-          </p:cNvSpPr>
-          <p:nvPr>
-            <p:ph idx="1"/>
-          </p:nvPr>
-        </p:nvSpPr>
-        <p:spPr/>
-        <p:txBody>
-          <a:bodyPr>
-            <a:normAutofit/>
+              <a:t>萬福之源  永樂之主</a:t>
+            </a:r>
+            <a:endParaRPr lang="en-US" altLang="zh-TW" sz="6400" b="1" dirty="0">
+              <a:solidFill>
+                <a:srgbClr val="660033"/>
+              </a:solidFill>
+              <a:latin typeface="Microsoft JhengHei" pitchFamily="34" charset="-120"/>
+              <a:ea typeface="Microsoft JhengHei" pitchFamily="34" charset="-120"/>
+            </a:endParaRPr>
+          </a:p>
+          <a:p>
+            <a:pPr algn="ctr">
+              <a:buNone/>
+            </a:pPr>
+            <a:r>
+              <a:rPr lang="zh-TW" altLang="en-US" sz="6400" b="1" dirty="0">
+                <a:solidFill>
+                  <a:srgbClr val="660033"/>
+                </a:solidFill>
+                <a:latin typeface="Microsoft JhengHei" pitchFamily="34" charset="-120"/>
+                <a:ea typeface="Microsoft JhengHei" pitchFamily="34" charset="-120"/>
+              </a:rPr>
+              <a:t>求賜光明滿我靈</a:t>
+            </a:r>
+          </a:p>
+        </p:txBody>
+      </p:sp>
+      <p:sp>
+        <p:nvSpPr>
+          <p:cNvPr id="3" name="TextBox 2"/>
+          <p:cNvSpPr txBox="1"/>
+          <p:nvPr/>
+        </p:nvSpPr>
+        <p:spPr>
+          <a:xfrm>
+            <a:off x="0" y="5061182"/>
+            <a:ext cx="12192000" cy="830997"/>
+          </a:xfrm>
+          <a:prstGeom prst="rect">
+            <a:avLst/>
+          </a:prstGeom>
+          <a:noFill/>
+        </p:spPr>
+        <p:txBody>
+          <a:bodyPr wrap="square" rtlCol="0">
+            <a:spAutoFit/>
           </a:bodyPr>
           <a:lstStyle/>
           <a:p>
-            <a:pPr algn="ctr">
-              <a:buNone/>
-            </a:pPr>
-            <a:r>
-              <a:rPr lang="zh-TW" altLang="en-US" sz="5400" b="1" dirty="0">
-                <a:latin typeface="微軟正黑體" pitchFamily="34" charset="-120"/>
-                <a:ea typeface="微軟正黑體" pitchFamily="34" charset="-120"/>
+            <a:pPr algn="ctr"/>
+            <a:r>
+              <a:rPr lang="en-US" sz="4800" b="1" dirty="0">
+                <a:solidFill>
+                  <a:srgbClr val="660033"/>
+                </a:solidFill>
               </a:rPr>
-              <a:t>主願</a:t>
-            </a:r>
-            <a:r>
-              <a:rPr lang="zh-TW" altLang="en-US" sz="5400" b="1" dirty="0" smtClean="0">
-                <a:latin typeface="微軟正黑體" pitchFamily="34" charset="-120"/>
-                <a:ea typeface="微軟正黑體" pitchFamily="34" charset="-120"/>
-              </a:rPr>
-              <a:t>給與  主</a:t>
-            </a:r>
-            <a:r>
-              <a:rPr lang="zh-TW" altLang="en-US" sz="5400" b="1" dirty="0">
-                <a:latin typeface="微軟正黑體" pitchFamily="34" charset="-120"/>
-                <a:ea typeface="微軟正黑體" pitchFamily="34" charset="-120"/>
-              </a:rPr>
-              <a:t>喜赦</a:t>
-            </a:r>
-            <a:r>
-              <a:rPr lang="zh-TW" altLang="en-US" sz="5400" b="1" dirty="0" smtClean="0">
-                <a:latin typeface="微軟正黑體" pitchFamily="34" charset="-120"/>
-                <a:ea typeface="微軟正黑體" pitchFamily="34" charset="-120"/>
-              </a:rPr>
-              <a:t>罪</a:t>
-            </a:r>
-            <a:endParaRPr lang="en-US" altLang="zh-TW" sz="5400" b="1" dirty="0" smtClean="0">
-              <a:latin typeface="微軟正黑體" pitchFamily="34" charset="-120"/>
-              <a:ea typeface="微軟正黑體" pitchFamily="34" charset="-120"/>
+              <a:t>( 1 / 4 )</a:t>
+            </a:r>
+            <a:endParaRPr lang="vi-VN" sz="4800" b="1" dirty="0">
+              <a:solidFill>
+                <a:srgbClr val="660033"/>
+              </a:solidFill>
             </a:endParaRPr>
           </a:p>
-          <a:p>
-            <a:pPr algn="ctr">
-              <a:buNone/>
-            </a:pPr>
-            <a:r>
-              <a:rPr lang="zh-TW" altLang="en-US" sz="5400" b="1" dirty="0" smtClean="0">
-                <a:latin typeface="微軟正黑體" pitchFamily="34" charset="-120"/>
-                <a:ea typeface="微軟正黑體" pitchFamily="34" charset="-120"/>
-              </a:rPr>
-              <a:t>永</a:t>
-            </a:r>
-            <a:r>
-              <a:rPr lang="zh-TW" altLang="en-US" sz="5400" b="1" dirty="0">
-                <a:latin typeface="微軟正黑體" pitchFamily="34" charset="-120"/>
-                <a:ea typeface="微軟正黑體" pitchFamily="34" charset="-120"/>
-              </a:rPr>
-              <a:t>受祝頌永</a:t>
-            </a:r>
-            <a:r>
-              <a:rPr lang="zh-TW" altLang="en-US" sz="5400" b="1" dirty="0" smtClean="0">
-                <a:latin typeface="微軟正黑體" pitchFamily="34" charset="-120"/>
-                <a:ea typeface="微軟正黑體" pitchFamily="34" charset="-120"/>
-              </a:rPr>
-              <a:t>施恩</a:t>
-            </a:r>
-            <a:endParaRPr lang="en-US" altLang="zh-TW" sz="5400" b="1" dirty="0">
-              <a:latin typeface="微軟正黑體" pitchFamily="34" charset="-120"/>
-              <a:ea typeface="微軟正黑體" pitchFamily="34" charset="-120"/>
-            </a:endParaRPr>
-          </a:p>
-          <a:p>
-            <a:pPr algn="ctr">
-              <a:buNone/>
-            </a:pPr>
-            <a:r>
-              <a:rPr lang="zh-TW" altLang="en-US" sz="5400" b="1" dirty="0" smtClean="0">
-                <a:latin typeface="微軟正黑體" pitchFamily="34" charset="-120"/>
-                <a:ea typeface="微軟正黑體" pitchFamily="34" charset="-120"/>
-              </a:rPr>
-              <a:t>主</a:t>
-            </a:r>
-            <a:r>
-              <a:rPr lang="zh-TW" altLang="en-US" sz="5400" b="1" dirty="0">
-                <a:latin typeface="微軟正黑體" pitchFamily="34" charset="-120"/>
-                <a:ea typeface="微軟正黑體" pitchFamily="34" charset="-120"/>
-              </a:rPr>
-              <a:t>是生活喜樂</a:t>
-            </a:r>
-            <a:r>
-              <a:rPr lang="zh-TW" altLang="en-US" sz="5400" b="1" dirty="0" smtClean="0">
-                <a:latin typeface="微軟正黑體" pitchFamily="34" charset="-120"/>
-                <a:ea typeface="微軟正黑體" pitchFamily="34" charset="-120"/>
-              </a:rPr>
-              <a:t>源頭</a:t>
-            </a:r>
-            <a:endParaRPr lang="en-US" altLang="zh-TW" sz="5400" b="1" dirty="0" smtClean="0">
-              <a:latin typeface="微軟正黑體" pitchFamily="34" charset="-120"/>
-              <a:ea typeface="微軟正黑體" pitchFamily="34" charset="-120"/>
-            </a:endParaRPr>
-          </a:p>
-          <a:p>
-            <a:pPr algn="ctr">
-              <a:buNone/>
-            </a:pPr>
-            <a:r>
-              <a:rPr lang="zh-TW" altLang="en-US" sz="5400" b="1" dirty="0" smtClean="0">
-                <a:latin typeface="微軟正黑體" pitchFamily="34" charset="-120"/>
-                <a:ea typeface="微軟正黑體" pitchFamily="34" charset="-120"/>
-              </a:rPr>
-              <a:t>賜</a:t>
-            </a:r>
-            <a:r>
-              <a:rPr lang="zh-TW" altLang="en-US" sz="5400" b="1" dirty="0">
-                <a:latin typeface="微軟正黑體" pitchFamily="34" charset="-120"/>
-                <a:ea typeface="微軟正黑體" pitchFamily="34" charset="-120"/>
-              </a:rPr>
-              <a:t>人安息海般深</a:t>
-            </a:r>
-          </a:p>
         </p:txBody>
       </p:sp>
     </p:spTree>
+    <p:extLst>
+      <p:ext uri="{BB962C8B-B14F-4D97-AF65-F5344CB8AC3E}">
+        <p14:creationId xmlns:p14="http://schemas.microsoft.com/office/powerpoint/2010/main" val="1757517563"/>
+      </p:ext>
+    </p:extLst>
   </p:cSld>
   <p:clrMapOvr>
     <a:masterClrMapping/>
   </p:clrMapOvr>
+  <p:timing>
+    <p:tnLst>
+      <p:par>
+        <p:cTn id="1" dur="indefinite" restart="never" nodeType="tmRoot"/>
+      </p:par>
+    </p:tnLst>
+  </p:timing>
 </p:sld>
 </file>
 
@@ -3999,170 +4949,127 @@
       </p:grpSpPr>
       <p:sp>
         <p:nvSpPr>
-          <p:cNvPr id="4" name="標題 3"/>
-          <p:cNvSpPr>
-            <a:spLocks noGrp="1"/>
-          </p:cNvSpPr>
-          <p:nvPr>
-            <p:ph type="title"/>
-          </p:nvPr>
-        </p:nvSpPr>
-        <p:spPr/>
-        <p:txBody>
-          <a:bodyPr>
+          <p:cNvPr id="5" name="內容版面配置區 4"/>
+          <p:cNvSpPr>
+            <a:spLocks noGrp="1"/>
+          </p:cNvSpPr>
+          <p:nvPr>
+            <p:ph idx="1"/>
+          </p:nvPr>
+        </p:nvSpPr>
+        <p:spPr>
+          <a:xfrm>
+            <a:off x="0" y="2084851"/>
+            <a:ext cx="12192000" cy="2404863"/>
+          </a:xfrm>
+        </p:spPr>
+        <p:txBody>
+          <a:bodyPr anchor="ctr">
             <a:normAutofit/>
           </a:bodyPr>
           <a:lstStyle/>
           <a:p>
-            <a:r>
-              <a:rPr lang="zh-TW" altLang="en-US" b="1" dirty="0">
-                <a:latin typeface="微軟正黑體" pitchFamily="34" charset="-120"/>
-                <a:ea typeface="微軟正黑體" pitchFamily="34" charset="-120"/>
+            <a:pPr algn="ctr">
+              <a:buNone/>
+            </a:pPr>
+            <a:r>
+              <a:rPr lang="zh-TW" altLang="en-US" sz="6400" b="1" dirty="0">
+                <a:solidFill>
+                  <a:srgbClr val="660033"/>
+                </a:solidFill>
+                <a:latin typeface="Microsoft JhengHei" pitchFamily="34" charset="-120"/>
+                <a:ea typeface="Microsoft JhengHei" pitchFamily="34" charset="-120"/>
               </a:rPr>
-              <a:t>快樂崇拜</a:t>
-            </a:r>
-          </a:p>
-        </p:txBody>
-      </p:sp>
-      <p:sp>
-        <p:nvSpPr>
-          <p:cNvPr id="5" name="內容版面配置區 4"/>
-          <p:cNvSpPr>
-            <a:spLocks noGrp="1"/>
-          </p:cNvSpPr>
-          <p:nvPr>
-            <p:ph idx="1"/>
-          </p:nvPr>
-        </p:nvSpPr>
-        <p:spPr/>
-        <p:txBody>
-          <a:bodyPr>
-            <a:normAutofit/>
+              <a:t>環繞主座萬物同歡</a:t>
+            </a:r>
+            <a:endParaRPr lang="en-US" altLang="zh-TW" sz="6400" b="1" dirty="0">
+              <a:solidFill>
+                <a:srgbClr val="660033"/>
+              </a:solidFill>
+              <a:latin typeface="Microsoft JhengHei" pitchFamily="34" charset="-120"/>
+              <a:ea typeface="Microsoft JhengHei" pitchFamily="34" charset="-120"/>
+            </a:endParaRPr>
+          </a:p>
+          <a:p>
+            <a:pPr algn="ctr">
+              <a:buNone/>
+            </a:pPr>
+            <a:r>
+              <a:rPr lang="zh-TW" altLang="en-US" sz="6400" b="1" dirty="0">
+                <a:solidFill>
+                  <a:srgbClr val="660033"/>
+                </a:solidFill>
+                <a:latin typeface="Microsoft JhengHei" pitchFamily="34" charset="-120"/>
+                <a:ea typeface="Microsoft JhengHei" pitchFamily="34" charset="-120"/>
+              </a:rPr>
+              <a:t>天地反映主榮光</a:t>
+            </a:r>
+            <a:endParaRPr lang="en-US" altLang="zh-TW" sz="6400" b="1" dirty="0">
+              <a:solidFill>
+                <a:srgbClr val="660033"/>
+              </a:solidFill>
+              <a:latin typeface="Microsoft JhengHei" pitchFamily="34" charset="-120"/>
+              <a:ea typeface="Microsoft JhengHei" pitchFamily="34" charset="-120"/>
+            </a:endParaRPr>
+          </a:p>
+        </p:txBody>
+      </p:sp>
+      <p:sp>
+        <p:nvSpPr>
+          <p:cNvPr id="3" name="TextBox 2"/>
+          <p:cNvSpPr txBox="1"/>
+          <p:nvPr/>
+        </p:nvSpPr>
+        <p:spPr>
+          <a:xfrm>
+            <a:off x="0" y="5061182"/>
+            <a:ext cx="12192000" cy="830997"/>
+          </a:xfrm>
+          <a:prstGeom prst="rect">
+            <a:avLst/>
+          </a:prstGeom>
+          <a:noFill/>
+        </p:spPr>
+        <p:txBody>
+          <a:bodyPr wrap="square" rtlCol="0">
+            <a:spAutoFit/>
           </a:bodyPr>
           <a:lstStyle/>
           <a:p>
-            <a:pPr algn="ctr">
-              <a:buNone/>
-            </a:pPr>
-            <a:r>
-              <a:rPr lang="zh-TW" altLang="en-US" sz="5400" b="1" dirty="0">
-                <a:latin typeface="微軟正黑體" pitchFamily="34" charset="-120"/>
-                <a:ea typeface="微軟正黑體" pitchFamily="34" charset="-120"/>
+            <a:pPr algn="ctr"/>
+            <a:r>
+              <a:rPr lang="en-US" sz="4800" b="1" dirty="0">
+                <a:solidFill>
+                  <a:srgbClr val="660033"/>
+                </a:solidFill>
               </a:rPr>
-              <a:t>神是</a:t>
-            </a:r>
-            <a:r>
-              <a:rPr lang="zh-TW" altLang="en-US" sz="5400" b="1" dirty="0" smtClean="0">
-                <a:latin typeface="微軟正黑體" pitchFamily="34" charset="-120"/>
-                <a:ea typeface="微軟正黑體" pitchFamily="34" charset="-120"/>
-              </a:rPr>
-              <a:t>父親  基督</a:t>
-            </a:r>
-            <a:r>
-              <a:rPr lang="zh-TW" altLang="en-US" sz="5400" b="1" dirty="0">
-                <a:latin typeface="微軟正黑體" pitchFamily="34" charset="-120"/>
-                <a:ea typeface="微軟正黑體" pitchFamily="34" charset="-120"/>
-              </a:rPr>
-              <a:t>是</a:t>
-            </a:r>
-            <a:r>
-              <a:rPr lang="zh-TW" altLang="en-US" sz="5400" b="1" dirty="0" smtClean="0">
-                <a:latin typeface="微軟正黑體" pitchFamily="34" charset="-120"/>
-                <a:ea typeface="微軟正黑體" pitchFamily="34" charset="-120"/>
-              </a:rPr>
-              <a:t>兄</a:t>
-            </a:r>
-            <a:endParaRPr lang="en-US" altLang="zh-TW" sz="5400" b="1" dirty="0" smtClean="0">
-              <a:latin typeface="微軟正黑體" pitchFamily="34" charset="-120"/>
-              <a:ea typeface="微軟正黑體" pitchFamily="34" charset="-120"/>
+              <a:t>( 2 / 4 )</a:t>
+            </a:r>
+            <a:endParaRPr lang="vi-VN" sz="4800" b="1" dirty="0">
+              <a:solidFill>
+                <a:srgbClr val="660033"/>
+              </a:solidFill>
             </a:endParaRPr>
           </a:p>
-          <a:p>
-            <a:pPr algn="ctr">
-              <a:buNone/>
-            </a:pPr>
-            <a:r>
-              <a:rPr lang="zh-TW" altLang="en-US" sz="5400" b="1" dirty="0" smtClean="0">
-                <a:latin typeface="微軟正黑體" pitchFamily="34" charset="-120"/>
-                <a:ea typeface="微軟正黑體" pitchFamily="34" charset="-120"/>
-              </a:rPr>
-              <a:t>愛</a:t>
-            </a:r>
-            <a:r>
-              <a:rPr lang="zh-TW" altLang="en-US" sz="5400" b="1" dirty="0">
-                <a:latin typeface="微軟正黑體" pitchFamily="34" charset="-120"/>
-                <a:ea typeface="微軟正黑體" pitchFamily="34" charset="-120"/>
-              </a:rPr>
-              <a:t>中生活皆主</a:t>
-            </a:r>
-            <a:r>
-              <a:rPr lang="zh-TW" altLang="en-US" sz="5400" b="1" dirty="0" smtClean="0">
-                <a:latin typeface="微軟正黑體" pitchFamily="34" charset="-120"/>
-                <a:ea typeface="微軟正黑體" pitchFamily="34" charset="-120"/>
-              </a:rPr>
-              <a:t>民</a:t>
-            </a:r>
-            <a:endParaRPr lang="en-US" altLang="zh-TW" sz="5400" b="1" dirty="0">
-              <a:latin typeface="微軟正黑體" pitchFamily="34" charset="-120"/>
-              <a:ea typeface="微軟正黑體" pitchFamily="34" charset="-120"/>
-            </a:endParaRPr>
-          </a:p>
-          <a:p>
-            <a:pPr algn="ctr">
-              <a:buNone/>
-            </a:pPr>
-            <a:r>
-              <a:rPr lang="zh-TW" altLang="en-US" sz="5400" b="1" dirty="0" smtClean="0">
-                <a:latin typeface="微軟正黑體" pitchFamily="34" charset="-120"/>
-                <a:ea typeface="微軟正黑體" pitchFamily="34" charset="-120"/>
-              </a:rPr>
-              <a:t>求教</a:t>
-            </a:r>
-            <a:r>
-              <a:rPr lang="zh-TW" altLang="en-US" sz="5400" b="1" dirty="0">
-                <a:latin typeface="微軟正黑體" pitchFamily="34" charset="-120"/>
-                <a:ea typeface="微軟正黑體" pitchFamily="34" charset="-120"/>
-              </a:rPr>
-              <a:t>我們相愛</a:t>
-            </a:r>
-            <a:r>
-              <a:rPr lang="zh-TW" altLang="en-US" sz="5400" b="1" dirty="0" smtClean="0">
-                <a:latin typeface="微軟正黑體" pitchFamily="34" charset="-120"/>
-                <a:ea typeface="微軟正黑體" pitchFamily="34" charset="-120"/>
-              </a:rPr>
-              <a:t>相親</a:t>
-            </a:r>
-            <a:endParaRPr lang="en-US" altLang="zh-TW" sz="5400" b="1" dirty="0" smtClean="0">
-              <a:latin typeface="微軟正黑體" pitchFamily="34" charset="-120"/>
-              <a:ea typeface="微軟正黑體" pitchFamily="34" charset="-120"/>
-            </a:endParaRPr>
-          </a:p>
-          <a:p>
-            <a:pPr algn="ctr">
-              <a:buNone/>
-            </a:pPr>
-            <a:r>
-              <a:rPr lang="zh-TW" altLang="en-US" sz="5400" b="1" dirty="0" smtClean="0">
-                <a:latin typeface="微軟正黑體" pitchFamily="34" charset="-120"/>
-                <a:ea typeface="微軟正黑體" pitchFamily="34" charset="-120"/>
-              </a:rPr>
-              <a:t>同</a:t>
-            </a:r>
-            <a:r>
-              <a:rPr lang="zh-TW" altLang="en-US" sz="5400" b="1" dirty="0">
-                <a:latin typeface="微軟正黑體" pitchFamily="34" charset="-120"/>
-                <a:ea typeface="微軟正黑體" pitchFamily="34" charset="-120"/>
-              </a:rPr>
-              <a:t>享人生大歡欣</a:t>
-            </a:r>
-          </a:p>
         </p:txBody>
       </p:sp>
     </p:spTree>
+    <p:extLst>
+      <p:ext uri="{BB962C8B-B14F-4D97-AF65-F5344CB8AC3E}">
+        <p14:creationId xmlns:p14="http://schemas.microsoft.com/office/powerpoint/2010/main" val="4053431164"/>
+      </p:ext>
+    </p:extLst>
   </p:cSld>
   <p:clrMapOvr>
     <a:masterClrMapping/>
   </p:clrMapOvr>
+  <p:timing>
+    <p:tnLst>
+      <p:par>
+        <p:cTn id="1" dur="indefinite" restart="never" nodeType="tmRoot"/>
+      </p:par>
+    </p:tnLst>
+  </p:timing>
 </p:sld>
 </file>
 
@@ -4185,156 +5092,120 @@
       </p:grpSpPr>
       <p:sp>
         <p:nvSpPr>
-          <p:cNvPr id="4" name="標題 3"/>
-          <p:cNvSpPr>
-            <a:spLocks noGrp="1"/>
-          </p:cNvSpPr>
-          <p:nvPr>
-            <p:ph type="title"/>
-          </p:nvPr>
-        </p:nvSpPr>
-        <p:spPr/>
-        <p:txBody>
-          <a:bodyPr>
+          <p:cNvPr id="5" name="內容版面配置區 4"/>
+          <p:cNvSpPr>
+            <a:spLocks noGrp="1"/>
+          </p:cNvSpPr>
+          <p:nvPr>
+            <p:ph idx="1"/>
+          </p:nvPr>
+        </p:nvSpPr>
+        <p:spPr>
+          <a:xfrm>
+            <a:off x="0" y="2084851"/>
+            <a:ext cx="12192000" cy="2404863"/>
+          </a:xfrm>
+        </p:spPr>
+        <p:txBody>
+          <a:bodyPr anchor="ctr">
             <a:normAutofit/>
           </a:bodyPr>
           <a:lstStyle/>
           <a:p>
-            <a:r>
-              <a:rPr lang="zh-TW" altLang="en-US" b="1" dirty="0">
-                <a:latin typeface="微軟正黑體" pitchFamily="34" charset="-120"/>
-                <a:ea typeface="微軟正黑體" pitchFamily="34" charset="-120"/>
+            <a:pPr algn="ctr">
+              <a:buNone/>
+            </a:pPr>
+            <a:r>
+              <a:rPr lang="zh-TW" altLang="en-US" sz="6400" b="1" dirty="0">
+                <a:solidFill>
+                  <a:srgbClr val="660033"/>
+                </a:solidFill>
+                <a:latin typeface="Microsoft JhengHei" pitchFamily="34" charset="-120"/>
+                <a:ea typeface="Microsoft JhengHei" pitchFamily="34" charset="-120"/>
               </a:rPr>
-              <a:t>快樂崇拜</a:t>
-            </a:r>
-          </a:p>
-        </p:txBody>
-      </p:sp>
-      <p:sp>
-        <p:nvSpPr>
-          <p:cNvPr id="5" name="內容版面配置區 4"/>
-          <p:cNvSpPr>
-            <a:spLocks noGrp="1"/>
-          </p:cNvSpPr>
-          <p:nvPr>
-            <p:ph idx="1"/>
-          </p:nvPr>
-        </p:nvSpPr>
-        <p:spPr/>
-        <p:txBody>
-          <a:bodyPr>
-            <a:normAutofit/>
+              <a:t>天使  星宿繞主歌唱</a:t>
+            </a:r>
+            <a:endParaRPr lang="en-US" altLang="zh-TW" sz="6400" b="1" dirty="0">
+              <a:solidFill>
+                <a:srgbClr val="660033"/>
+              </a:solidFill>
+              <a:latin typeface="Microsoft JhengHei" pitchFamily="34" charset="-120"/>
+              <a:ea typeface="Microsoft JhengHei" pitchFamily="34" charset="-120"/>
+            </a:endParaRPr>
+          </a:p>
+          <a:p>
+            <a:pPr algn="ctr">
+              <a:buNone/>
+            </a:pPr>
+            <a:r>
+              <a:rPr lang="zh-TW" altLang="en-US" sz="6400" b="1" dirty="0">
+                <a:solidFill>
+                  <a:srgbClr val="660033"/>
+                </a:solidFill>
+                <a:latin typeface="Microsoft JhengHei" pitchFamily="34" charset="-120"/>
+                <a:ea typeface="Microsoft JhengHei" pitchFamily="34" charset="-120"/>
+              </a:rPr>
+              <a:t>不住崇拜永頌揚</a:t>
+            </a:r>
+          </a:p>
+        </p:txBody>
+      </p:sp>
+      <p:sp>
+        <p:nvSpPr>
+          <p:cNvPr id="3" name="TextBox 2"/>
+          <p:cNvSpPr txBox="1"/>
+          <p:nvPr/>
+        </p:nvSpPr>
+        <p:spPr>
+          <a:xfrm>
+            <a:off x="0" y="5061182"/>
+            <a:ext cx="12192000" cy="830997"/>
+          </a:xfrm>
+          <a:prstGeom prst="rect">
+            <a:avLst/>
+          </a:prstGeom>
+          <a:noFill/>
+        </p:spPr>
+        <p:txBody>
+          <a:bodyPr wrap="square" rtlCol="0">
+            <a:spAutoFit/>
           </a:bodyPr>
           <a:lstStyle/>
           <a:p>
-            <a:pPr algn="ctr">
-              <a:buNone/>
-            </a:pPr>
-            <a:r>
-              <a:rPr lang="zh-TW" altLang="en-US" sz="5400" b="1" dirty="0">
-                <a:latin typeface="微軟正黑體" pitchFamily="34" charset="-120"/>
-                <a:ea typeface="微軟正黑體" pitchFamily="34" charset="-120"/>
+            <a:pPr algn="ctr"/>
+            <a:r>
+              <a:rPr lang="en-US" sz="4800" b="1" dirty="0">
+                <a:solidFill>
+                  <a:srgbClr val="660033"/>
+                </a:solidFill>
               </a:rPr>
-              <a:t>晨星引起偉大</a:t>
-            </a:r>
-            <a:r>
-              <a:rPr lang="zh-TW" altLang="en-US" sz="5400" b="1" dirty="0" smtClean="0">
-                <a:latin typeface="微軟正黑體" pitchFamily="34" charset="-120"/>
-                <a:ea typeface="微軟正黑體" pitchFamily="34" charset="-120"/>
-              </a:rPr>
-              <a:t>歌聲</a:t>
-            </a:r>
-            <a:endParaRPr lang="en-US" altLang="zh-TW" sz="5400" b="1" dirty="0" smtClean="0">
-              <a:latin typeface="微軟正黑體" pitchFamily="34" charset="-120"/>
-              <a:ea typeface="微軟正黑體" pitchFamily="34" charset="-120"/>
+              <a:t>( 2 / 4 )</a:t>
+            </a:r>
+            <a:endParaRPr lang="vi-VN" sz="4800" b="1" dirty="0">
+              <a:solidFill>
+                <a:srgbClr val="660033"/>
+              </a:solidFill>
             </a:endParaRPr>
           </a:p>
-          <a:p>
-            <a:pPr algn="ctr">
-              <a:buNone/>
-            </a:pPr>
-            <a:r>
-              <a:rPr lang="zh-TW" altLang="en-US" sz="5400" b="1" dirty="0" smtClean="0">
-                <a:latin typeface="微軟正黑體" pitchFamily="34" charset="-120"/>
-                <a:ea typeface="微軟正黑體" pitchFamily="34" charset="-120"/>
-              </a:rPr>
-              <a:t>普</a:t>
-            </a:r>
-            <a:r>
-              <a:rPr lang="zh-TW" altLang="en-US" sz="5400" b="1" dirty="0">
-                <a:latin typeface="微軟正黑體" pitchFamily="34" charset="-120"/>
-                <a:ea typeface="微軟正黑體" pitchFamily="34" charset="-120"/>
-              </a:rPr>
-              <a:t>世萬民都</a:t>
-            </a:r>
-            <a:r>
-              <a:rPr lang="zh-TW" altLang="en-US" sz="5400" b="1" dirty="0" smtClean="0">
-                <a:latin typeface="微軟正黑體" pitchFamily="34" charset="-120"/>
-                <a:ea typeface="微軟正黑體" pitchFamily="34" charset="-120"/>
-              </a:rPr>
-              <a:t>響應</a:t>
-            </a:r>
-            <a:endParaRPr lang="en-US" altLang="zh-TW" sz="5400" b="1" dirty="0">
-              <a:latin typeface="微軟正黑體" pitchFamily="34" charset="-120"/>
-              <a:ea typeface="微軟正黑體" pitchFamily="34" charset="-120"/>
-            </a:endParaRPr>
-          </a:p>
-          <a:p>
-            <a:pPr algn="ctr">
-              <a:buNone/>
-            </a:pPr>
-            <a:r>
-              <a:rPr lang="zh-TW" altLang="en-US" sz="5400" b="1" dirty="0" smtClean="0">
-                <a:latin typeface="微軟正黑體" pitchFamily="34" charset="-120"/>
-                <a:ea typeface="微軟正黑體" pitchFamily="34" charset="-120"/>
-              </a:rPr>
-              <a:t>天</a:t>
-            </a:r>
-            <a:r>
-              <a:rPr lang="zh-TW" altLang="en-US" sz="5400" b="1" dirty="0">
-                <a:latin typeface="微軟正黑體" pitchFamily="34" charset="-120"/>
-                <a:ea typeface="微軟正黑體" pitchFamily="34" charset="-120"/>
-              </a:rPr>
-              <a:t>父慈愛統治</a:t>
-            </a:r>
-            <a:r>
-              <a:rPr lang="zh-TW" altLang="en-US" sz="5400" b="1" dirty="0" smtClean="0">
-                <a:latin typeface="微軟正黑體" pitchFamily="34" charset="-120"/>
-                <a:ea typeface="微軟正黑體" pitchFamily="34" charset="-120"/>
-              </a:rPr>
-              <a:t>我們</a:t>
-            </a:r>
-            <a:endParaRPr lang="en-US" altLang="zh-TW" sz="5400" b="1" dirty="0" smtClean="0">
-              <a:latin typeface="微軟正黑體" pitchFamily="34" charset="-120"/>
-              <a:ea typeface="微軟正黑體" pitchFamily="34" charset="-120"/>
-            </a:endParaRPr>
-          </a:p>
-          <a:p>
-            <a:pPr algn="ctr">
-              <a:buNone/>
-            </a:pPr>
-            <a:r>
-              <a:rPr lang="zh-TW" altLang="en-US" sz="5400" b="1" dirty="0" smtClean="0">
-                <a:latin typeface="微軟正黑體" pitchFamily="34" charset="-120"/>
-                <a:ea typeface="微軟正黑體" pitchFamily="34" charset="-120"/>
-              </a:rPr>
-              <a:t>弟兄</a:t>
-            </a:r>
-            <a:r>
-              <a:rPr lang="zh-TW" altLang="en-US" sz="5400" b="1" dirty="0">
-                <a:latin typeface="微軟正黑體" pitchFamily="34" charset="-120"/>
-                <a:ea typeface="微軟正黑體" pitchFamily="34" charset="-120"/>
-              </a:rPr>
-              <a:t>友愛繫人群</a:t>
-            </a:r>
-          </a:p>
         </p:txBody>
       </p:sp>
     </p:spTree>
+    <p:extLst>
+      <p:ext uri="{BB962C8B-B14F-4D97-AF65-F5344CB8AC3E}">
+        <p14:creationId xmlns:p14="http://schemas.microsoft.com/office/powerpoint/2010/main" val="703360021"/>
+      </p:ext>
+    </p:extLst>
   </p:cSld>
   <p:clrMapOvr>
     <a:masterClrMapping/>
   </p:clrMapOvr>
+  <p:timing>
+    <p:tnLst>
+      <p:par>
+        <p:cTn id="1" dur="indefinite" restart="never" nodeType="tmRoot"/>
+      </p:par>
+    </p:tnLst>
+  </p:timing>
 </p:sld>
 </file>
 
@@ -4357,142 +5228,263 @@
       </p:grpSpPr>
       <p:sp>
         <p:nvSpPr>
-          <p:cNvPr id="4" name="標題 3"/>
-          <p:cNvSpPr>
-            <a:spLocks noGrp="1"/>
-          </p:cNvSpPr>
-          <p:nvPr>
-            <p:ph type="title"/>
-          </p:nvPr>
-        </p:nvSpPr>
-        <p:spPr/>
-        <p:txBody>
-          <a:bodyPr>
+          <p:cNvPr id="5" name="內容版面配置區 4"/>
+          <p:cNvSpPr>
+            <a:spLocks noGrp="1"/>
+          </p:cNvSpPr>
+          <p:nvPr>
+            <p:ph idx="1"/>
+          </p:nvPr>
+        </p:nvSpPr>
+        <p:spPr>
+          <a:xfrm>
+            <a:off x="0" y="2084851"/>
+            <a:ext cx="12192000" cy="2404863"/>
+          </a:xfrm>
+        </p:spPr>
+        <p:txBody>
+          <a:bodyPr anchor="ctr">
             <a:normAutofit/>
           </a:bodyPr>
           <a:lstStyle/>
           <a:p>
-            <a:r>
-              <a:rPr lang="zh-TW" altLang="en-US" b="1" dirty="0">
-                <a:latin typeface="微軟正黑體" pitchFamily="34" charset="-120"/>
-                <a:ea typeface="微軟正黑體" pitchFamily="34" charset="-120"/>
+            <a:pPr algn="ctr">
+              <a:buNone/>
+            </a:pPr>
+            <a:r>
+              <a:rPr lang="zh-TW" altLang="en-US" sz="6400" b="1" dirty="0">
+                <a:solidFill>
+                  <a:srgbClr val="660033"/>
+                </a:solidFill>
+                <a:latin typeface="Microsoft JhengHei" pitchFamily="34" charset="-120"/>
+                <a:ea typeface="Microsoft JhengHei" pitchFamily="34" charset="-120"/>
               </a:rPr>
-              <a:t>快樂崇拜</a:t>
-            </a:r>
-          </a:p>
-        </p:txBody>
-      </p:sp>
-      <p:sp>
-        <p:nvSpPr>
-          <p:cNvPr id="5" name="內容版面配置區 4"/>
-          <p:cNvSpPr>
-            <a:spLocks noGrp="1"/>
-          </p:cNvSpPr>
-          <p:nvPr>
-            <p:ph idx="1"/>
-          </p:nvPr>
-        </p:nvSpPr>
-        <p:spPr/>
-        <p:txBody>
-          <a:bodyPr>
-            <a:normAutofit/>
+              <a:t>四野森林  低谷高山</a:t>
+            </a:r>
+            <a:endParaRPr lang="en-US" altLang="zh-TW" sz="6400" b="1" dirty="0">
+              <a:solidFill>
+                <a:srgbClr val="660033"/>
+              </a:solidFill>
+              <a:latin typeface="Microsoft JhengHei" pitchFamily="34" charset="-120"/>
+              <a:ea typeface="Microsoft JhengHei" pitchFamily="34" charset="-120"/>
+            </a:endParaRPr>
+          </a:p>
+          <a:p>
+            <a:pPr algn="ctr">
+              <a:buNone/>
+            </a:pPr>
+            <a:r>
+              <a:rPr lang="zh-TW" altLang="en-US" sz="6400" b="1" dirty="0">
+                <a:solidFill>
+                  <a:srgbClr val="660033"/>
+                </a:solidFill>
+                <a:latin typeface="Microsoft JhengHei" pitchFamily="34" charset="-120"/>
+                <a:ea typeface="Microsoft JhengHei" pitchFamily="34" charset="-120"/>
+              </a:rPr>
+              <a:t>青翠草原及海洋</a:t>
+            </a:r>
+            <a:endParaRPr lang="en-US" altLang="zh-TW" sz="6400" b="1" dirty="0">
+              <a:solidFill>
+                <a:srgbClr val="660033"/>
+              </a:solidFill>
+              <a:latin typeface="Microsoft JhengHei" pitchFamily="34" charset="-120"/>
+              <a:ea typeface="Microsoft JhengHei" pitchFamily="34" charset="-120"/>
+            </a:endParaRPr>
+          </a:p>
+        </p:txBody>
+      </p:sp>
+      <p:sp>
+        <p:nvSpPr>
+          <p:cNvPr id="3" name="TextBox 2"/>
+          <p:cNvSpPr txBox="1"/>
+          <p:nvPr/>
+        </p:nvSpPr>
+        <p:spPr>
+          <a:xfrm>
+            <a:off x="0" y="5061182"/>
+            <a:ext cx="12192000" cy="830997"/>
+          </a:xfrm>
+          <a:prstGeom prst="rect">
+            <a:avLst/>
+          </a:prstGeom>
+          <a:noFill/>
+        </p:spPr>
+        <p:txBody>
+          <a:bodyPr wrap="square" rtlCol="0">
+            <a:spAutoFit/>
           </a:bodyPr>
           <a:lstStyle/>
           <a:p>
-            <a:pPr algn="ctr">
-              <a:buNone/>
-            </a:pPr>
-            <a:r>
-              <a:rPr lang="zh-TW" altLang="en-US" sz="5400" b="1" dirty="0">
-                <a:latin typeface="微軟正黑體" pitchFamily="34" charset="-120"/>
-                <a:ea typeface="微軟正黑體" pitchFamily="34" charset="-120"/>
+            <a:pPr algn="ctr"/>
+            <a:r>
+              <a:rPr lang="en-US" sz="4800" b="1" dirty="0">
+                <a:solidFill>
+                  <a:srgbClr val="660033"/>
+                </a:solidFill>
               </a:rPr>
-              <a:t>一同</a:t>
-            </a:r>
-            <a:r>
-              <a:rPr lang="zh-TW" altLang="en-US" sz="5400" b="1" dirty="0" smtClean="0">
-                <a:latin typeface="微軟正黑體" pitchFamily="34" charset="-120"/>
-                <a:ea typeface="微軟正黑體" pitchFamily="34" charset="-120"/>
-              </a:rPr>
-              <a:t>前進  歌唱不停</a:t>
-            </a:r>
-            <a:endParaRPr lang="en-US" altLang="zh-TW" sz="5400" b="1" dirty="0" smtClean="0">
-              <a:latin typeface="微軟正黑體" pitchFamily="34" charset="-120"/>
-              <a:ea typeface="微軟正黑體" pitchFamily="34" charset="-120"/>
+              <a:t>( 2 / 4 )</a:t>
+            </a:r>
+            <a:endParaRPr lang="vi-VN" sz="4800" b="1" dirty="0">
+              <a:solidFill>
+                <a:srgbClr val="660033"/>
+              </a:solidFill>
             </a:endParaRPr>
           </a:p>
-          <a:p>
-            <a:pPr algn="ctr">
-              <a:buNone/>
-            </a:pPr>
-            <a:r>
-              <a:rPr lang="zh-TW" altLang="en-US" sz="5400" b="1" dirty="0" smtClean="0">
-                <a:latin typeface="微軟正黑體" pitchFamily="34" charset="-120"/>
-                <a:ea typeface="微軟正黑體" pitchFamily="34" charset="-120"/>
-              </a:rPr>
-              <a:t>忠勇</a:t>
-            </a:r>
-            <a:r>
-              <a:rPr lang="zh-TW" altLang="en-US" sz="5400" b="1" dirty="0">
-                <a:latin typeface="微軟正黑體" pitchFamily="34" charset="-120"/>
-                <a:ea typeface="微軟正黑體" pitchFamily="34" charset="-120"/>
-              </a:rPr>
-              <a:t>爭戰勝利</a:t>
-            </a:r>
-            <a:r>
-              <a:rPr lang="zh-TW" altLang="en-US" sz="5400" b="1" dirty="0" smtClean="0">
-                <a:latin typeface="微軟正黑體" pitchFamily="34" charset="-120"/>
-                <a:ea typeface="微軟正黑體" pitchFamily="34" charset="-120"/>
-              </a:rPr>
-              <a:t>軍</a:t>
-            </a:r>
-            <a:endParaRPr lang="en-US" altLang="zh-TW" sz="5400" b="1" dirty="0">
-              <a:latin typeface="微軟正黑體" pitchFamily="34" charset="-120"/>
-              <a:ea typeface="微軟正黑體" pitchFamily="34" charset="-120"/>
-            </a:endParaRPr>
-          </a:p>
-          <a:p>
-            <a:pPr algn="ctr">
-              <a:buNone/>
-            </a:pPr>
-            <a:r>
-              <a:rPr lang="zh-TW" altLang="en-US" sz="5400" b="1" dirty="0" smtClean="0">
-                <a:latin typeface="微軟正黑體" pitchFamily="34" charset="-120"/>
-                <a:ea typeface="微軟正黑體" pitchFamily="34" charset="-120"/>
-              </a:rPr>
-              <a:t>歡欣樂曲  導向光明</a:t>
-            </a:r>
-            <a:endParaRPr lang="en-US" altLang="zh-TW" sz="5400" b="1" dirty="0" smtClean="0">
-              <a:latin typeface="微軟正黑體" pitchFamily="34" charset="-120"/>
-              <a:ea typeface="微軟正黑體" pitchFamily="34" charset="-120"/>
-            </a:endParaRPr>
-          </a:p>
-          <a:p>
-            <a:pPr algn="ctr">
-              <a:buNone/>
-            </a:pPr>
-            <a:r>
-              <a:rPr lang="zh-TW" altLang="en-US" sz="5400" b="1" dirty="0" smtClean="0">
-                <a:latin typeface="微軟正黑體" pitchFamily="34" charset="-120"/>
-                <a:ea typeface="微軟正黑體" pitchFamily="34" charset="-120"/>
-              </a:rPr>
-              <a:t>同</a:t>
-            </a:r>
-            <a:r>
-              <a:rPr lang="zh-TW" altLang="en-US" sz="5400" b="1" dirty="0">
-                <a:latin typeface="微軟正黑體" pitchFamily="34" charset="-120"/>
-                <a:ea typeface="微軟正黑體" pitchFamily="34" charset="-120"/>
-              </a:rPr>
-              <a:t>唱凱歌慶永生</a:t>
-            </a:r>
-          </a:p>
         </p:txBody>
       </p:sp>
     </p:spTree>
+    <p:extLst>
+      <p:ext uri="{BB962C8B-B14F-4D97-AF65-F5344CB8AC3E}">
+        <p14:creationId xmlns:p14="http://schemas.microsoft.com/office/powerpoint/2010/main" val="1065321883"/>
+      </p:ext>
+    </p:extLst>
   </p:cSld>
   <p:clrMapOvr>
     <a:masterClrMapping/>
   </p:clrMapOvr>
+  <p:timing>
+    <p:tnLst>
+      <p:par>
+        <p:cTn id="1" dur="indefinite" restart="never" nodeType="tmRoot"/>
+      </p:par>
+    </p:tnLst>
+  </p:timing>
+</p:sld>
+</file>
+
+<file path=ppt/slides/slide9.xml><?xml version="1.0" encoding="utf-8"?>
+<p:sld xmlns:a="http://schemas.openxmlformats.org/drawingml/2006/main" xmlns:r="http://schemas.openxmlformats.org/officeDocument/2006/relationships" xmlns:p="http://schemas.openxmlformats.org/presentationml/2006/main">
+  <p:cSld>
+    <p:spTree>
+      <p:nvGrpSpPr>
+        <p:cNvPr id="1" name=""/>
+        <p:cNvGrpSpPr/>
+        <p:nvPr/>
+      </p:nvGrpSpPr>
+      <p:grpSpPr>
+        <a:xfrm>
+          <a:off x="0" y="0"/>
+          <a:ext cx="0" cy="0"/>
+          <a:chOff x="0" y="0"/>
+          <a:chExt cx="0" cy="0"/>
+        </a:xfrm>
+      </p:grpSpPr>
+      <p:sp>
+        <p:nvSpPr>
+          <p:cNvPr id="5" name="內容版面配置區 4"/>
+          <p:cNvSpPr>
+            <a:spLocks noGrp="1"/>
+          </p:cNvSpPr>
+          <p:nvPr>
+            <p:ph idx="1"/>
+          </p:nvPr>
+        </p:nvSpPr>
+        <p:spPr>
+          <a:xfrm>
+            <a:off x="0" y="2084851"/>
+            <a:ext cx="12192000" cy="2404863"/>
+          </a:xfrm>
+        </p:spPr>
+        <p:txBody>
+          <a:bodyPr anchor="ctr">
+            <a:normAutofit/>
+          </a:bodyPr>
+          <a:lstStyle/>
+          <a:p>
+            <a:pPr algn="ctr">
+              <a:buNone/>
+            </a:pPr>
+            <a:r>
+              <a:rPr lang="zh-TW" altLang="en-US" sz="6400" b="1" dirty="0">
+                <a:solidFill>
+                  <a:srgbClr val="660033"/>
+                </a:solidFill>
+                <a:latin typeface="Microsoft JhengHei" pitchFamily="34" charset="-120"/>
+                <a:ea typeface="Microsoft JhengHei" pitchFamily="34" charset="-120"/>
+              </a:rPr>
+              <a:t>清歌小鳥  輕注流泉</a:t>
+            </a:r>
+            <a:endParaRPr lang="en-US" altLang="zh-TW" sz="6400" b="1" dirty="0">
+              <a:solidFill>
+                <a:srgbClr val="660033"/>
+              </a:solidFill>
+              <a:latin typeface="Microsoft JhengHei" pitchFamily="34" charset="-120"/>
+              <a:ea typeface="Microsoft JhengHei" pitchFamily="34" charset="-120"/>
+            </a:endParaRPr>
+          </a:p>
+          <a:p>
+            <a:pPr algn="ctr">
+              <a:buNone/>
+            </a:pPr>
+            <a:r>
+              <a:rPr lang="zh-TW" altLang="en-US" sz="6400" b="1" dirty="0">
+                <a:solidFill>
+                  <a:srgbClr val="660033"/>
+                </a:solidFill>
+                <a:latin typeface="Microsoft JhengHei" pitchFamily="34" charset="-120"/>
+                <a:ea typeface="Microsoft JhengHei" pitchFamily="34" charset="-120"/>
+              </a:rPr>
+              <a:t>喚醒我們同歡唱</a:t>
+            </a:r>
+          </a:p>
+        </p:txBody>
+      </p:sp>
+      <p:sp>
+        <p:nvSpPr>
+          <p:cNvPr id="3" name="TextBox 2"/>
+          <p:cNvSpPr txBox="1"/>
+          <p:nvPr/>
+        </p:nvSpPr>
+        <p:spPr>
+          <a:xfrm>
+            <a:off x="0" y="5061182"/>
+            <a:ext cx="12192000" cy="830997"/>
+          </a:xfrm>
+          <a:prstGeom prst="rect">
+            <a:avLst/>
+          </a:prstGeom>
+          <a:noFill/>
+        </p:spPr>
+        <p:txBody>
+          <a:bodyPr wrap="square" rtlCol="0">
+            <a:spAutoFit/>
+          </a:bodyPr>
+          <a:lstStyle/>
+          <a:p>
+            <a:pPr algn="ctr"/>
+            <a:r>
+              <a:rPr lang="en-US" sz="4800" b="1" dirty="0">
+                <a:solidFill>
+                  <a:srgbClr val="660033"/>
+                </a:solidFill>
+              </a:rPr>
+              <a:t>( 2 / 4 )</a:t>
+            </a:r>
+            <a:endParaRPr lang="vi-VN" sz="4800" b="1" dirty="0">
+              <a:solidFill>
+                <a:srgbClr val="660033"/>
+              </a:solidFill>
+            </a:endParaRPr>
+          </a:p>
+        </p:txBody>
+      </p:sp>
+    </p:spTree>
+    <p:extLst>
+      <p:ext uri="{BB962C8B-B14F-4D97-AF65-F5344CB8AC3E}">
+        <p14:creationId xmlns:p14="http://schemas.microsoft.com/office/powerpoint/2010/main" val="939689344"/>
+      </p:ext>
+    </p:extLst>
+  </p:cSld>
+  <p:clrMapOvr>
+    <a:masterClrMapping/>
+  </p:clrMapOvr>
+  <p:timing>
+    <p:tnLst>
+      <p:par>
+        <p:cTn id="1" dur="indefinite" restart="never" nodeType="tmRoot"/>
+      </p:par>
+    </p:tnLst>
+  </p:timing>
 </p:sld>
 </file>
 

--- a/生命聖詩/(生命聖詩22)快樂崇拜.pptx
+++ b/生命聖詩/(生命聖詩22)快樂崇拜.pptx
@@ -321,7 +321,7 @@
             <a:fld id="{05A69A1E-DAA9-4275-BEE8-271897FFC734}" type="datetimeFigureOut">
               <a:rPr lang="zh-TW" altLang="en-US" smtClean="0"/>
               <a:pPr/>
-              <a:t>2022/9/9</a:t>
+              <a:t>2023/4/22</a:t>
             </a:fld>
             <a:endParaRPr lang="zh-TW" altLang="en-US"/>
           </a:p>
@@ -488,7 +488,7 @@
             <a:fld id="{05A69A1E-DAA9-4275-BEE8-271897FFC734}" type="datetimeFigureOut">
               <a:rPr lang="zh-TW" altLang="en-US" smtClean="0"/>
               <a:pPr/>
-              <a:t>2022/9/9</a:t>
+              <a:t>2023/4/22</a:t>
             </a:fld>
             <a:endParaRPr lang="zh-TW" altLang="en-US"/>
           </a:p>
@@ -665,7 +665,7 @@
             <a:fld id="{05A69A1E-DAA9-4275-BEE8-271897FFC734}" type="datetimeFigureOut">
               <a:rPr lang="zh-TW" altLang="en-US" smtClean="0"/>
               <a:pPr/>
-              <a:t>2022/9/9</a:t>
+              <a:t>2023/4/22</a:t>
             </a:fld>
             <a:endParaRPr lang="zh-TW" altLang="en-US"/>
           </a:p>
@@ -832,7 +832,7 @@
             <a:fld id="{05A69A1E-DAA9-4275-BEE8-271897FFC734}" type="datetimeFigureOut">
               <a:rPr lang="zh-TW" altLang="en-US" smtClean="0"/>
               <a:pPr/>
-              <a:t>2022/9/9</a:t>
+              <a:t>2023/4/22</a:t>
             </a:fld>
             <a:endParaRPr lang="zh-TW" altLang="en-US"/>
           </a:p>
@@ -1075,7 +1075,7 @@
             <a:fld id="{05A69A1E-DAA9-4275-BEE8-271897FFC734}" type="datetimeFigureOut">
               <a:rPr lang="zh-TW" altLang="en-US" smtClean="0"/>
               <a:pPr/>
-              <a:t>2022/9/9</a:t>
+              <a:t>2023/4/22</a:t>
             </a:fld>
             <a:endParaRPr lang="zh-TW" altLang="en-US"/>
           </a:p>
@@ -1360,7 +1360,7 @@
             <a:fld id="{05A69A1E-DAA9-4275-BEE8-271897FFC734}" type="datetimeFigureOut">
               <a:rPr lang="zh-TW" altLang="en-US" smtClean="0"/>
               <a:pPr/>
-              <a:t>2022/9/9</a:t>
+              <a:t>2023/4/22</a:t>
             </a:fld>
             <a:endParaRPr lang="zh-TW" altLang="en-US"/>
           </a:p>
@@ -1779,7 +1779,7 @@
             <a:fld id="{05A69A1E-DAA9-4275-BEE8-271897FFC734}" type="datetimeFigureOut">
               <a:rPr lang="zh-TW" altLang="en-US" smtClean="0"/>
               <a:pPr/>
-              <a:t>2022/9/9</a:t>
+              <a:t>2023/4/22</a:t>
             </a:fld>
             <a:endParaRPr lang="zh-TW" altLang="en-US"/>
           </a:p>
@@ -1894,7 +1894,7 @@
             <a:fld id="{05A69A1E-DAA9-4275-BEE8-271897FFC734}" type="datetimeFigureOut">
               <a:rPr lang="zh-TW" altLang="en-US" smtClean="0"/>
               <a:pPr/>
-              <a:t>2022/9/9</a:t>
+              <a:t>2023/4/22</a:t>
             </a:fld>
             <a:endParaRPr lang="zh-TW" altLang="en-US"/>
           </a:p>
@@ -1986,7 +1986,7 @@
             <a:fld id="{05A69A1E-DAA9-4275-BEE8-271897FFC734}" type="datetimeFigureOut">
               <a:rPr lang="zh-TW" altLang="en-US" smtClean="0"/>
               <a:pPr/>
-              <a:t>2022/9/9</a:t>
+              <a:t>2023/4/22</a:t>
             </a:fld>
             <a:endParaRPr lang="zh-TW" altLang="en-US"/>
           </a:p>
@@ -2260,7 +2260,7 @@
             <a:fld id="{05A69A1E-DAA9-4275-BEE8-271897FFC734}" type="datetimeFigureOut">
               <a:rPr lang="zh-TW" altLang="en-US" smtClean="0"/>
               <a:pPr/>
-              <a:t>2022/9/9</a:t>
+              <a:t>2023/4/22</a:t>
             </a:fld>
             <a:endParaRPr lang="zh-TW" altLang="en-US"/>
           </a:p>
@@ -2514,7 +2514,7 @@
             <a:fld id="{05A69A1E-DAA9-4275-BEE8-271897FFC734}" type="datetimeFigureOut">
               <a:rPr lang="zh-TW" altLang="en-US" smtClean="0"/>
               <a:pPr/>
-              <a:t>2022/9/9</a:t>
+              <a:t>2023/4/22</a:t>
             </a:fld>
             <a:endParaRPr lang="zh-TW" altLang="en-US"/>
           </a:p>
@@ -2729,7 +2729,7 @@
             <a:fld id="{05A69A1E-DAA9-4275-BEE8-271897FFC734}" type="datetimeFigureOut">
               <a:rPr lang="zh-TW" altLang="en-US" smtClean="0"/>
               <a:pPr/>
-              <a:t>2022/9/9</a:t>
+              <a:t>2023/4/22</a:t>
             </a:fld>
             <a:endParaRPr lang="zh-TW" altLang="en-US"/>
           </a:p>
@@ -3204,24 +3204,7 @@
                 <a:latin typeface="微軟正黑體" pitchFamily="34" charset="-120"/>
                 <a:ea typeface="微軟正黑體" pitchFamily="34" charset="-120"/>
               </a:rPr>
-              <a:t>快</a:t>
-            </a:r>
-            <a:r>
-              <a:rPr lang="zh-TW" altLang="en-US" sz="8000" b="1" dirty="0">
-                <a:solidFill>
-                  <a:srgbClr val="660033"/>
-                </a:solidFill>
-                <a:effectLst>
-                  <a:outerShdw blurRad="38100" dist="38100" dir="2700000" algn="tl">
-                    <a:srgbClr val="000000">
-                      <a:alpha val="43137"/>
-                    </a:srgbClr>
-                  </a:outerShdw>
-                </a:effectLst>
-                <a:latin typeface="微軟正黑體" pitchFamily="34" charset="-120"/>
-                <a:ea typeface="微軟正黑體" pitchFamily="34" charset="-120"/>
-              </a:rPr>
-              <a:t>樂崇拜</a:t>
+              <a:t>快樂崇拜</a:t>
             </a:r>
           </a:p>
         </p:txBody>
@@ -3339,7 +3322,7 @@
         <p:spPr>
           <a:xfrm>
             <a:off x="0" y="5061182"/>
-            <a:ext cx="12192000" cy="830997"/>
+            <a:ext cx="12192000" cy="707886"/>
           </a:xfrm>
           <a:prstGeom prst="rect">
             <a:avLst/>
@@ -3354,14 +3337,14 @@
           <a:p>
             <a:pPr algn="ctr"/>
             <a:r>
-              <a:rPr lang="en-US" sz="4800" b="1" dirty="0">
+              <a:rPr lang="en-US" sz="4000" b="1" dirty="0">
                 <a:solidFill>
                   <a:srgbClr val="660033"/>
                 </a:solidFill>
               </a:rPr>
               <a:t>( 3 / 4 )</a:t>
             </a:r>
-            <a:endParaRPr lang="vi-VN" sz="4800" b="1" dirty="0">
+            <a:endParaRPr lang="vi-VN" sz="4000" b="1" dirty="0">
               <a:solidFill>
                 <a:srgbClr val="660033"/>
               </a:solidFill>
@@ -3475,7 +3458,7 @@
         <p:spPr>
           <a:xfrm>
             <a:off x="0" y="5061182"/>
-            <a:ext cx="12192000" cy="830997"/>
+            <a:ext cx="12192000" cy="707886"/>
           </a:xfrm>
           <a:prstGeom prst="rect">
             <a:avLst/>
@@ -3490,14 +3473,14 @@
           <a:p>
             <a:pPr algn="ctr"/>
             <a:r>
-              <a:rPr lang="en-US" sz="4800" b="1" dirty="0">
+              <a:rPr lang="en-US" sz="4000" b="1" dirty="0">
                 <a:solidFill>
                   <a:srgbClr val="660033"/>
                 </a:solidFill>
               </a:rPr>
               <a:t>( 3 / 4 )</a:t>
             </a:r>
-            <a:endParaRPr lang="vi-VN" sz="4800" b="1" dirty="0">
+            <a:endParaRPr lang="vi-VN" sz="4000" b="1" dirty="0">
               <a:solidFill>
                 <a:srgbClr val="660033"/>
               </a:solidFill>
@@ -3618,7 +3601,7 @@
         <p:spPr>
           <a:xfrm>
             <a:off x="0" y="5061182"/>
-            <a:ext cx="12192000" cy="830997"/>
+            <a:ext cx="12192000" cy="707886"/>
           </a:xfrm>
           <a:prstGeom prst="rect">
             <a:avLst/>
@@ -3633,14 +3616,14 @@
           <a:p>
             <a:pPr algn="ctr"/>
             <a:r>
-              <a:rPr lang="en-US" sz="4800" b="1" dirty="0">
+              <a:rPr lang="en-US" sz="4000" b="1" dirty="0">
                 <a:solidFill>
                   <a:srgbClr val="660033"/>
                 </a:solidFill>
               </a:rPr>
               <a:t>( 3 / 4 )</a:t>
             </a:r>
-            <a:endParaRPr lang="vi-VN" sz="4800" b="1" dirty="0">
+            <a:endParaRPr lang="vi-VN" sz="4000" b="1" dirty="0">
               <a:solidFill>
                 <a:srgbClr val="660033"/>
               </a:solidFill>
@@ -3754,7 +3737,7 @@
         <p:spPr>
           <a:xfrm>
             <a:off x="0" y="5061182"/>
-            <a:ext cx="12192000" cy="830997"/>
+            <a:ext cx="12192000" cy="707886"/>
           </a:xfrm>
           <a:prstGeom prst="rect">
             <a:avLst/>
@@ -3769,14 +3752,14 @@
           <a:p>
             <a:pPr algn="ctr"/>
             <a:r>
-              <a:rPr lang="en-US" sz="4800" b="1" dirty="0">
+              <a:rPr lang="en-US" sz="4000" b="1" dirty="0">
                 <a:solidFill>
                   <a:srgbClr val="660033"/>
                 </a:solidFill>
               </a:rPr>
               <a:t>( 3 / 4 )</a:t>
             </a:r>
-            <a:endParaRPr lang="vi-VN" sz="4800" b="1" dirty="0">
+            <a:endParaRPr lang="vi-VN" sz="4000" b="1" dirty="0">
               <a:solidFill>
                 <a:srgbClr val="660033"/>
               </a:solidFill>
@@ -3897,7 +3880,7 @@
         <p:spPr>
           <a:xfrm>
             <a:off x="0" y="5061182"/>
-            <a:ext cx="12192000" cy="830997"/>
+            <a:ext cx="12192000" cy="707886"/>
           </a:xfrm>
           <a:prstGeom prst="rect">
             <a:avLst/>
@@ -3912,14 +3895,14 @@
           <a:p>
             <a:pPr algn="ctr"/>
             <a:r>
-              <a:rPr lang="en-US" sz="4800" b="1" dirty="0">
+              <a:rPr lang="en-US" sz="4000" b="1" dirty="0">
                 <a:solidFill>
                   <a:srgbClr val="660033"/>
                 </a:solidFill>
               </a:rPr>
               <a:t>( 4 / 4 )</a:t>
             </a:r>
-            <a:endParaRPr lang="vi-VN" sz="4800" b="1" dirty="0">
+            <a:endParaRPr lang="vi-VN" sz="4000" b="1" dirty="0">
               <a:solidFill>
                 <a:srgbClr val="660033"/>
               </a:solidFill>
@@ -4033,7 +4016,7 @@
         <p:spPr>
           <a:xfrm>
             <a:off x="0" y="5061182"/>
-            <a:ext cx="12192000" cy="830997"/>
+            <a:ext cx="12192000" cy="707886"/>
           </a:xfrm>
           <a:prstGeom prst="rect">
             <a:avLst/>
@@ -4048,14 +4031,14 @@
           <a:p>
             <a:pPr algn="ctr"/>
             <a:r>
-              <a:rPr lang="en-US" sz="4800" b="1" dirty="0">
+              <a:rPr lang="en-US" sz="4000" b="1" dirty="0">
                 <a:solidFill>
                   <a:srgbClr val="660033"/>
                 </a:solidFill>
               </a:rPr>
               <a:t>( 4 / 4 )</a:t>
             </a:r>
-            <a:endParaRPr lang="vi-VN" sz="4800" b="1" dirty="0">
+            <a:endParaRPr lang="vi-VN" sz="4000" b="1" dirty="0">
               <a:solidFill>
                 <a:srgbClr val="660033"/>
               </a:solidFill>
@@ -4176,7 +4159,7 @@
         <p:spPr>
           <a:xfrm>
             <a:off x="0" y="5061182"/>
-            <a:ext cx="12192000" cy="830997"/>
+            <a:ext cx="12192000" cy="707886"/>
           </a:xfrm>
           <a:prstGeom prst="rect">
             <a:avLst/>
@@ -4191,14 +4174,14 @@
           <a:p>
             <a:pPr algn="ctr"/>
             <a:r>
-              <a:rPr lang="en-US" sz="4800" b="1" dirty="0">
+              <a:rPr lang="en-US" sz="4000" b="1" dirty="0">
                 <a:solidFill>
                   <a:srgbClr val="660033"/>
                 </a:solidFill>
               </a:rPr>
               <a:t>( 4 / 4 )</a:t>
             </a:r>
-            <a:endParaRPr lang="vi-VN" sz="4800" b="1" dirty="0">
+            <a:endParaRPr lang="vi-VN" sz="4000" b="1" dirty="0">
               <a:solidFill>
                 <a:srgbClr val="660033"/>
               </a:solidFill>
@@ -4312,7 +4295,7 @@
         <p:spPr>
           <a:xfrm>
             <a:off x="0" y="5061182"/>
-            <a:ext cx="12192000" cy="830997"/>
+            <a:ext cx="12192000" cy="707886"/>
           </a:xfrm>
           <a:prstGeom prst="rect">
             <a:avLst/>
@@ -4327,14 +4310,14 @@
           <a:p>
             <a:pPr algn="ctr"/>
             <a:r>
-              <a:rPr lang="en-US" sz="4800" b="1" dirty="0">
+              <a:rPr lang="en-US" sz="4000" b="1" dirty="0">
                 <a:solidFill>
                   <a:srgbClr val="660033"/>
                 </a:solidFill>
               </a:rPr>
               <a:t>( 4 / 4 )</a:t>
             </a:r>
-            <a:endParaRPr lang="vi-VN" sz="4800" b="1" dirty="0">
+            <a:endParaRPr lang="vi-VN" sz="4000" b="1" dirty="0">
               <a:solidFill>
                 <a:srgbClr val="660033"/>
               </a:solidFill>
@@ -4412,17 +4395,7 @@
                 <a:latin typeface="Microsoft JhengHei" pitchFamily="34" charset="-120"/>
                 <a:ea typeface="Microsoft JhengHei" pitchFamily="34" charset="-120"/>
               </a:rPr>
-              <a:t>快</a:t>
-            </a:r>
-            <a:r>
-              <a:rPr lang="zh-TW" altLang="en-US" sz="6400" b="1" dirty="0">
-                <a:solidFill>
-                  <a:srgbClr val="660033"/>
-                </a:solidFill>
-                <a:latin typeface="Microsoft JhengHei" pitchFamily="34" charset="-120"/>
-                <a:ea typeface="Microsoft JhengHei" pitchFamily="34" charset="-120"/>
-              </a:rPr>
-              <a:t>樂  快樂  我們崇拜</a:t>
+              <a:t>快樂  快樂  我們崇拜</a:t>
             </a:r>
             <a:endParaRPr lang="en-US" altLang="zh-TW" sz="6400" b="1" dirty="0">
               <a:solidFill>
@@ -4465,7 +4438,7 @@
         <p:spPr>
           <a:xfrm>
             <a:off x="0" y="5061182"/>
-            <a:ext cx="12192000" cy="830997"/>
+            <a:ext cx="12192000" cy="707886"/>
           </a:xfrm>
           <a:prstGeom prst="rect">
             <a:avLst/>
@@ -4480,14 +4453,14 @@
           <a:p>
             <a:pPr algn="ctr"/>
             <a:r>
-              <a:rPr lang="en-US" sz="4800" b="1" dirty="0">
+              <a:rPr lang="en-US" sz="4000" b="1" dirty="0">
                 <a:solidFill>
                   <a:srgbClr val="660033"/>
                 </a:solidFill>
               </a:rPr>
               <a:t>( 1 / 4 )</a:t>
             </a:r>
-            <a:endParaRPr lang="vi-VN" sz="4800" b="1" dirty="0">
+            <a:endParaRPr lang="vi-VN" sz="4000" b="1" dirty="0">
               <a:solidFill>
                 <a:srgbClr val="660033"/>
               </a:solidFill>
@@ -4601,7 +4574,7 @@
         <p:spPr>
           <a:xfrm>
             <a:off x="0" y="5061182"/>
-            <a:ext cx="12192000" cy="830997"/>
+            <a:ext cx="12192000" cy="707886"/>
           </a:xfrm>
           <a:prstGeom prst="rect">
             <a:avLst/>
@@ -4616,14 +4589,14 @@
           <a:p>
             <a:pPr algn="ctr"/>
             <a:r>
-              <a:rPr lang="en-US" sz="4800" b="1" dirty="0">
+              <a:rPr lang="en-US" sz="4000" b="1" dirty="0">
                 <a:solidFill>
                   <a:srgbClr val="660033"/>
                 </a:solidFill>
               </a:rPr>
               <a:t>( 1 / 4 )</a:t>
             </a:r>
-            <a:endParaRPr lang="vi-VN" sz="4800" b="1" dirty="0">
+            <a:endParaRPr lang="vi-VN" sz="4000" b="1" dirty="0">
               <a:solidFill>
                 <a:srgbClr val="660033"/>
               </a:solidFill>
@@ -4744,7 +4717,7 @@
         <p:spPr>
           <a:xfrm>
             <a:off x="0" y="5061182"/>
-            <a:ext cx="12192000" cy="830997"/>
+            <a:ext cx="12192000" cy="707886"/>
           </a:xfrm>
           <a:prstGeom prst="rect">
             <a:avLst/>
@@ -4759,14 +4732,14 @@
           <a:p>
             <a:pPr algn="ctr"/>
             <a:r>
-              <a:rPr lang="en-US" sz="4800" b="1" dirty="0">
+              <a:rPr lang="en-US" sz="4000" b="1" dirty="0">
                 <a:solidFill>
                   <a:srgbClr val="660033"/>
                 </a:solidFill>
               </a:rPr>
               <a:t>( 1 / 4 )</a:t>
             </a:r>
-            <a:endParaRPr lang="vi-VN" sz="4800" b="1" dirty="0">
+            <a:endParaRPr lang="vi-VN" sz="4000" b="1" dirty="0">
               <a:solidFill>
                 <a:srgbClr val="660033"/>
               </a:solidFill>
@@ -4880,7 +4853,7 @@
         <p:spPr>
           <a:xfrm>
             <a:off x="0" y="5061182"/>
-            <a:ext cx="12192000" cy="830997"/>
+            <a:ext cx="12192000" cy="707886"/>
           </a:xfrm>
           <a:prstGeom prst="rect">
             <a:avLst/>
@@ -4895,14 +4868,14 @@
           <a:p>
             <a:pPr algn="ctr"/>
             <a:r>
-              <a:rPr lang="en-US" sz="4800" b="1" dirty="0">
+              <a:rPr lang="en-US" sz="4000" b="1" dirty="0">
                 <a:solidFill>
                   <a:srgbClr val="660033"/>
                 </a:solidFill>
               </a:rPr>
               <a:t>( 1 / 4 )</a:t>
             </a:r>
-            <a:endParaRPr lang="vi-VN" sz="4800" b="1" dirty="0">
+            <a:endParaRPr lang="vi-VN" sz="4000" b="1" dirty="0">
               <a:solidFill>
                 <a:srgbClr val="660033"/>
               </a:solidFill>
@@ -5023,7 +4996,7 @@
         <p:spPr>
           <a:xfrm>
             <a:off x="0" y="5061182"/>
-            <a:ext cx="12192000" cy="830997"/>
+            <a:ext cx="12192000" cy="707886"/>
           </a:xfrm>
           <a:prstGeom prst="rect">
             <a:avLst/>
@@ -5038,14 +5011,14 @@
           <a:p>
             <a:pPr algn="ctr"/>
             <a:r>
-              <a:rPr lang="en-US" sz="4800" b="1" dirty="0">
+              <a:rPr lang="en-US" sz="4000" b="1" dirty="0">
                 <a:solidFill>
                   <a:srgbClr val="660033"/>
                 </a:solidFill>
               </a:rPr>
               <a:t>( 2 / 4 )</a:t>
             </a:r>
-            <a:endParaRPr lang="vi-VN" sz="4800" b="1" dirty="0">
+            <a:endParaRPr lang="vi-VN" sz="4000" b="1" dirty="0">
               <a:solidFill>
                 <a:srgbClr val="660033"/>
               </a:solidFill>
@@ -5159,7 +5132,7 @@
         <p:spPr>
           <a:xfrm>
             <a:off x="0" y="5061182"/>
-            <a:ext cx="12192000" cy="830997"/>
+            <a:ext cx="12192000" cy="707886"/>
           </a:xfrm>
           <a:prstGeom prst="rect">
             <a:avLst/>
@@ -5174,14 +5147,14 @@
           <a:p>
             <a:pPr algn="ctr"/>
             <a:r>
-              <a:rPr lang="en-US" sz="4800" b="1" dirty="0">
+              <a:rPr lang="en-US" sz="4000" b="1" dirty="0">
                 <a:solidFill>
                   <a:srgbClr val="660033"/>
                 </a:solidFill>
               </a:rPr>
               <a:t>( 2 / 4 )</a:t>
             </a:r>
-            <a:endParaRPr lang="vi-VN" sz="4800" b="1" dirty="0">
+            <a:endParaRPr lang="vi-VN" sz="4000" b="1" dirty="0">
               <a:solidFill>
                 <a:srgbClr val="660033"/>
               </a:solidFill>
@@ -5302,7 +5275,7 @@
         <p:spPr>
           <a:xfrm>
             <a:off x="0" y="5061182"/>
-            <a:ext cx="12192000" cy="830997"/>
+            <a:ext cx="12192000" cy="707886"/>
           </a:xfrm>
           <a:prstGeom prst="rect">
             <a:avLst/>
@@ -5317,14 +5290,14 @@
           <a:p>
             <a:pPr algn="ctr"/>
             <a:r>
-              <a:rPr lang="en-US" sz="4800" b="1" dirty="0">
+              <a:rPr lang="en-US" sz="4000" b="1" dirty="0">
                 <a:solidFill>
                   <a:srgbClr val="660033"/>
                 </a:solidFill>
               </a:rPr>
               <a:t>( 2 / 4 )</a:t>
             </a:r>
-            <a:endParaRPr lang="vi-VN" sz="4800" b="1" dirty="0">
+            <a:endParaRPr lang="vi-VN" sz="4000" b="1" dirty="0">
               <a:solidFill>
                 <a:srgbClr val="660033"/>
               </a:solidFill>
@@ -5438,7 +5411,7 @@
         <p:spPr>
           <a:xfrm>
             <a:off x="0" y="5061182"/>
-            <a:ext cx="12192000" cy="830997"/>
+            <a:ext cx="12192000" cy="707886"/>
           </a:xfrm>
           <a:prstGeom prst="rect">
             <a:avLst/>
@@ -5453,14 +5426,14 @@
           <a:p>
             <a:pPr algn="ctr"/>
             <a:r>
-              <a:rPr lang="en-US" sz="4800" b="1" dirty="0">
+              <a:rPr lang="en-US" sz="4000" b="1" dirty="0">
                 <a:solidFill>
                   <a:srgbClr val="660033"/>
                 </a:solidFill>
               </a:rPr>
               <a:t>( 2 / 4 )</a:t>
             </a:r>
-            <a:endParaRPr lang="vi-VN" sz="4800" b="1" dirty="0">
+            <a:endParaRPr lang="vi-VN" sz="4000" b="1" dirty="0">
               <a:solidFill>
                 <a:srgbClr val="660033"/>
               </a:solidFill>
